--- a/docs/final presentation.pptx
+++ b/docs/final presentation.pptx
@@ -1233,7 +1233,7 @@
           <a:p>
             <a:fld id="{C9F7DFBD-92B2-44B7-952A-8C833C4590A2}" type="datetimeFigureOut">
               <a:rPr lang="en-IL" smtClean="0"/>
-              <a:t>01/01/2021</a:t>
+              <a:t>02/01/2021</a:t>
             </a:fld>
             <a:endParaRPr lang="en-IL"/>
           </a:p>
@@ -1433,7 +1433,7 @@
           <a:p>
             <a:fld id="{C9F7DFBD-92B2-44B7-952A-8C833C4590A2}" type="datetimeFigureOut">
               <a:rPr lang="en-IL" smtClean="0"/>
-              <a:t>01/01/2021</a:t>
+              <a:t>02/01/2021</a:t>
             </a:fld>
             <a:endParaRPr lang="en-IL"/>
           </a:p>
@@ -1643,7 +1643,7 @@
           <a:p>
             <a:fld id="{C9F7DFBD-92B2-44B7-952A-8C833C4590A2}" type="datetimeFigureOut">
               <a:rPr lang="en-IL" smtClean="0"/>
-              <a:t>01/01/2021</a:t>
+              <a:t>02/01/2021</a:t>
             </a:fld>
             <a:endParaRPr lang="en-IL"/>
           </a:p>
@@ -1843,7 +1843,7 @@
           <a:p>
             <a:fld id="{C9F7DFBD-92B2-44B7-952A-8C833C4590A2}" type="datetimeFigureOut">
               <a:rPr lang="en-IL" smtClean="0"/>
-              <a:t>01/01/2021</a:t>
+              <a:t>02/01/2021</a:t>
             </a:fld>
             <a:endParaRPr lang="en-IL"/>
           </a:p>
@@ -2119,7 +2119,7 @@
           <a:p>
             <a:fld id="{C9F7DFBD-92B2-44B7-952A-8C833C4590A2}" type="datetimeFigureOut">
               <a:rPr lang="en-IL" smtClean="0"/>
-              <a:t>01/01/2021</a:t>
+              <a:t>02/01/2021</a:t>
             </a:fld>
             <a:endParaRPr lang="en-IL"/>
           </a:p>
@@ -2387,7 +2387,7 @@
           <a:p>
             <a:fld id="{C9F7DFBD-92B2-44B7-952A-8C833C4590A2}" type="datetimeFigureOut">
               <a:rPr lang="en-IL" smtClean="0"/>
-              <a:t>01/01/2021</a:t>
+              <a:t>02/01/2021</a:t>
             </a:fld>
             <a:endParaRPr lang="en-IL"/>
           </a:p>
@@ -2802,7 +2802,7 @@
           <a:p>
             <a:fld id="{C9F7DFBD-92B2-44B7-952A-8C833C4590A2}" type="datetimeFigureOut">
               <a:rPr lang="en-IL" smtClean="0"/>
-              <a:t>01/01/2021</a:t>
+              <a:t>02/01/2021</a:t>
             </a:fld>
             <a:endParaRPr lang="en-IL"/>
           </a:p>
@@ -2944,7 +2944,7 @@
           <a:p>
             <a:fld id="{C9F7DFBD-92B2-44B7-952A-8C833C4590A2}" type="datetimeFigureOut">
               <a:rPr lang="en-IL" smtClean="0"/>
-              <a:t>01/01/2021</a:t>
+              <a:t>02/01/2021</a:t>
             </a:fld>
             <a:endParaRPr lang="en-IL"/>
           </a:p>
@@ -3057,7 +3057,7 @@
           <a:p>
             <a:fld id="{C9F7DFBD-92B2-44B7-952A-8C833C4590A2}" type="datetimeFigureOut">
               <a:rPr lang="en-IL" smtClean="0"/>
-              <a:t>01/01/2021</a:t>
+              <a:t>02/01/2021</a:t>
             </a:fld>
             <a:endParaRPr lang="en-IL"/>
           </a:p>
@@ -3370,7 +3370,7 @@
           <a:p>
             <a:fld id="{C9F7DFBD-92B2-44B7-952A-8C833C4590A2}" type="datetimeFigureOut">
               <a:rPr lang="en-IL" smtClean="0"/>
-              <a:t>01/01/2021</a:t>
+              <a:t>02/01/2021</a:t>
             </a:fld>
             <a:endParaRPr lang="en-IL"/>
           </a:p>
@@ -3659,7 +3659,7 @@
           <a:p>
             <a:fld id="{C9F7DFBD-92B2-44B7-952A-8C833C4590A2}" type="datetimeFigureOut">
               <a:rPr lang="en-IL" smtClean="0"/>
-              <a:t>01/01/2021</a:t>
+              <a:t>02/01/2021</a:t>
             </a:fld>
             <a:endParaRPr lang="en-IL"/>
           </a:p>
@@ -3902,7 +3902,7 @@
           <a:p>
             <a:fld id="{C9F7DFBD-92B2-44B7-952A-8C833C4590A2}" type="datetimeFigureOut">
               <a:rPr lang="en-IL" smtClean="0"/>
-              <a:t>01/01/2021</a:t>
+              <a:t>02/01/2021</a:t>
             </a:fld>
             <a:endParaRPr lang="en-IL"/>
           </a:p>
@@ -8562,12 +8562,12 @@
         <p:spPr>
           <a:xfrm>
             <a:off x="838199" y="1825625"/>
-            <a:ext cx="10809303" cy="4351338"/>
+            <a:ext cx="10809303" cy="4667250"/>
           </a:xfrm>
         </p:spPr>
         <p:txBody>
           <a:bodyPr>
-            <a:normAutofit/>
+            <a:normAutofit fontScale="92500" lnSpcReduction="10000"/>
           </a:bodyPr>
           <a:lstStyle/>
           <a:p>
@@ -8595,7 +8595,20 @@
                 <a:latin typeface="Calibri" panose="020F0502020204030204" pitchFamily="34" charset="0"/>
                 <a:cs typeface="Calibri" panose="020F0502020204030204" pitchFamily="34" charset="0"/>
               </a:rPr>
-              <a:t>coordinates on the grid of those locations.</a:t>
+              <a:t>Coordinates on the grid of those locations.</a:t>
+            </a:r>
+          </a:p>
+          <a:p>
+            <a:pPr lvl="1"/>
+            <a:r>
+              <a:rPr lang="en-US" sz="2200" dirty="0">
+                <a:solidFill>
+                  <a:srgbClr val="000000"/>
+                </a:solidFill>
+                <a:latin typeface="Calibri" panose="020F0502020204030204" pitchFamily="34" charset="0"/>
+                <a:cs typeface="Calibri" panose="020F0502020204030204" pitchFamily="34" charset="0"/>
+              </a:rPr>
+              <a:t>The locations can be changed.</a:t>
             </a:r>
           </a:p>
           <a:p>
@@ -8645,7 +8658,20 @@
                 <a:latin typeface="Calibri" panose="020F0502020204030204" pitchFamily="34" charset="0"/>
                 <a:cs typeface="Calibri" panose="020F0502020204030204" pitchFamily="34" charset="0"/>
               </a:rPr>
-              <a:t>maximum packages/envelopes the drone can held in his inventory.</a:t>
+              <a:t>Maximum packages/envelopes the drone can held in his inventory.</a:t>
+            </a:r>
+          </a:p>
+          <a:p>
+            <a:pPr lvl="1"/>
+            <a:r>
+              <a:rPr lang="en-US" sz="2150" dirty="0">
+                <a:solidFill>
+                  <a:srgbClr val="000000"/>
+                </a:solidFill>
+                <a:latin typeface="Calibri" panose="020F0502020204030204" pitchFamily="34" charset="0"/>
+                <a:cs typeface="Calibri" panose="020F0502020204030204" pitchFamily="34" charset="0"/>
+              </a:rPr>
+              <a:t>All capacities are parameterized and can be changed.</a:t>
             </a:r>
           </a:p>
           <a:p>
@@ -8803,15 +8829,6 @@
           </a:p>
           <a:p>
             <a:pPr lvl="1"/>
-            <a:r>
-              <a:rPr lang="en-US" sz="2000" dirty="0">
-                <a:solidFill>
-                  <a:srgbClr val="000000"/>
-                </a:solidFill>
-                <a:latin typeface="Consolas" panose="020B0609020204030204" pitchFamily="49" charset="0"/>
-              </a:rPr>
-              <a:t> </a:t>
-            </a:r>
             <a:r>
               <a:rPr lang="en-US" sz="2200" dirty="0">
                 <a:solidFill>
@@ -9137,7 +9154,7 @@
                 <a:latin typeface="Calibri" panose="020F0502020204030204" pitchFamily="34" charset="0"/>
                 <a:cs typeface="Calibri" panose="020F0502020204030204" pitchFamily="34" charset="0"/>
               </a:rPr>
-              <a:t>drone can move up to one step both row and column directions.</a:t>
+              <a:t>Drone can move up to one step both row and column directions.</a:t>
             </a:r>
           </a:p>
           <a:p>

--- a/docs/final presentation.pptx
+++ b/docs/final presentation.pptx
@@ -11,20 +11,19 @@
     <p:sldId id="281" r:id="rId5"/>
     <p:sldId id="282" r:id="rId6"/>
     <p:sldId id="283" r:id="rId7"/>
-    <p:sldId id="284" r:id="rId8"/>
-    <p:sldId id="285" r:id="rId9"/>
-    <p:sldId id="286" r:id="rId10"/>
-    <p:sldId id="287" r:id="rId11"/>
-    <p:sldId id="288" r:id="rId12"/>
-    <p:sldId id="289" r:id="rId13"/>
-    <p:sldId id="290" r:id="rId14"/>
-    <p:sldId id="274" r:id="rId15"/>
-    <p:sldId id="276" r:id="rId16"/>
-    <p:sldId id="277" r:id="rId17"/>
-    <p:sldId id="278" r:id="rId18"/>
-    <p:sldId id="275" r:id="rId19"/>
-    <p:sldId id="272" r:id="rId20"/>
-    <p:sldId id="279" r:id="rId21"/>
+    <p:sldId id="285" r:id="rId8"/>
+    <p:sldId id="286" r:id="rId9"/>
+    <p:sldId id="287" r:id="rId10"/>
+    <p:sldId id="288" r:id="rId11"/>
+    <p:sldId id="289" r:id="rId12"/>
+    <p:sldId id="290" r:id="rId13"/>
+    <p:sldId id="274" r:id="rId14"/>
+    <p:sldId id="276" r:id="rId15"/>
+    <p:sldId id="277" r:id="rId16"/>
+    <p:sldId id="278" r:id="rId17"/>
+    <p:sldId id="275" r:id="rId18"/>
+    <p:sldId id="272" r:id="rId19"/>
+    <p:sldId id="279" r:id="rId20"/>
   </p:sldIdLst>
   <p:sldSz cx="12192000" cy="6858000"/>
   <p:notesSz cx="6858000" cy="9144000"/>
@@ -1233,7 +1232,7 @@
           <a:p>
             <a:fld id="{C9F7DFBD-92B2-44B7-952A-8C833C4590A2}" type="datetimeFigureOut">
               <a:rPr lang="en-IL" smtClean="0"/>
-              <a:t>02/01/2021</a:t>
+              <a:t>05/01/2021</a:t>
             </a:fld>
             <a:endParaRPr lang="en-IL"/>
           </a:p>
@@ -1433,7 +1432,7 @@
           <a:p>
             <a:fld id="{C9F7DFBD-92B2-44B7-952A-8C833C4590A2}" type="datetimeFigureOut">
               <a:rPr lang="en-IL" smtClean="0"/>
-              <a:t>02/01/2021</a:t>
+              <a:t>05/01/2021</a:t>
             </a:fld>
             <a:endParaRPr lang="en-IL"/>
           </a:p>
@@ -1643,7 +1642,7 @@
           <a:p>
             <a:fld id="{C9F7DFBD-92B2-44B7-952A-8C833C4590A2}" type="datetimeFigureOut">
               <a:rPr lang="en-IL" smtClean="0"/>
-              <a:t>02/01/2021</a:t>
+              <a:t>05/01/2021</a:t>
             </a:fld>
             <a:endParaRPr lang="en-IL"/>
           </a:p>
@@ -1843,7 +1842,7 @@
           <a:p>
             <a:fld id="{C9F7DFBD-92B2-44B7-952A-8C833C4590A2}" type="datetimeFigureOut">
               <a:rPr lang="en-IL" smtClean="0"/>
-              <a:t>02/01/2021</a:t>
+              <a:t>05/01/2021</a:t>
             </a:fld>
             <a:endParaRPr lang="en-IL"/>
           </a:p>
@@ -2119,7 +2118,7 @@
           <a:p>
             <a:fld id="{C9F7DFBD-92B2-44B7-952A-8C833C4590A2}" type="datetimeFigureOut">
               <a:rPr lang="en-IL" smtClean="0"/>
-              <a:t>02/01/2021</a:t>
+              <a:t>05/01/2021</a:t>
             </a:fld>
             <a:endParaRPr lang="en-IL"/>
           </a:p>
@@ -2387,7 +2386,7 @@
           <a:p>
             <a:fld id="{C9F7DFBD-92B2-44B7-952A-8C833C4590A2}" type="datetimeFigureOut">
               <a:rPr lang="en-IL" smtClean="0"/>
-              <a:t>02/01/2021</a:t>
+              <a:t>05/01/2021</a:t>
             </a:fld>
             <a:endParaRPr lang="en-IL"/>
           </a:p>
@@ -2802,7 +2801,7 @@
           <a:p>
             <a:fld id="{C9F7DFBD-92B2-44B7-952A-8C833C4590A2}" type="datetimeFigureOut">
               <a:rPr lang="en-IL" smtClean="0"/>
-              <a:t>02/01/2021</a:t>
+              <a:t>05/01/2021</a:t>
             </a:fld>
             <a:endParaRPr lang="en-IL"/>
           </a:p>
@@ -2944,7 +2943,7 @@
           <a:p>
             <a:fld id="{C9F7DFBD-92B2-44B7-952A-8C833C4590A2}" type="datetimeFigureOut">
               <a:rPr lang="en-IL" smtClean="0"/>
-              <a:t>02/01/2021</a:t>
+              <a:t>05/01/2021</a:t>
             </a:fld>
             <a:endParaRPr lang="en-IL"/>
           </a:p>
@@ -3057,7 +3056,7 @@
           <a:p>
             <a:fld id="{C9F7DFBD-92B2-44B7-952A-8C833C4590A2}" type="datetimeFigureOut">
               <a:rPr lang="en-IL" smtClean="0"/>
-              <a:t>02/01/2021</a:t>
+              <a:t>05/01/2021</a:t>
             </a:fld>
             <a:endParaRPr lang="en-IL"/>
           </a:p>
@@ -3370,7 +3369,7 @@
           <a:p>
             <a:fld id="{C9F7DFBD-92B2-44B7-952A-8C833C4590A2}" type="datetimeFigureOut">
               <a:rPr lang="en-IL" smtClean="0"/>
-              <a:t>02/01/2021</a:t>
+              <a:t>05/01/2021</a:t>
             </a:fld>
             <a:endParaRPr lang="en-IL"/>
           </a:p>
@@ -3659,7 +3658,7 @@
           <a:p>
             <a:fld id="{C9F7DFBD-92B2-44B7-952A-8C833C4590A2}" type="datetimeFigureOut">
               <a:rPr lang="en-IL" smtClean="0"/>
-              <a:t>02/01/2021</a:t>
+              <a:t>05/01/2021</a:t>
             </a:fld>
             <a:endParaRPr lang="en-IL"/>
           </a:p>
@@ -3902,7 +3901,7 @@
           <a:p>
             <a:fld id="{C9F7DFBD-92B2-44B7-952A-8C833C4590A2}" type="datetimeFigureOut">
               <a:rPr lang="en-IL" smtClean="0"/>
-              <a:t>02/01/2021</a:t>
+              <a:t>05/01/2021</a:t>
             </a:fld>
             <a:endParaRPr lang="en-IL"/>
           </a:p>
@@ -4428,284 +4427,6 @@
           <p:cNvPr id="2" name="Title 1">
             <a:extLst>
               <a:ext uri="{FF2B5EF4-FFF2-40B4-BE49-F238E27FC236}">
-                <a16:creationId xmlns:a16="http://schemas.microsoft.com/office/drawing/2014/main" id="{92C400F2-1975-4EDC-88C0-6B9625BF5387}"/>
-              </a:ext>
-            </a:extLst>
-          </p:cNvPr>
-          <p:cNvSpPr>
-            <a:spLocks noGrp="1"/>
-          </p:cNvSpPr>
-          <p:nvPr>
-            <p:ph type="title"/>
-          </p:nvPr>
-        </p:nvSpPr>
-        <p:spPr/>
-        <p:txBody>
-          <a:bodyPr/>
-          <a:lstStyle/>
-          <a:p>
-            <a:r>
-              <a:rPr lang="en-US" dirty="0"/>
-              <a:t>Spectra Specification – Priority Mode</a:t>
-            </a:r>
-            <a:endParaRPr lang="en-IL" dirty="0"/>
-          </a:p>
-        </p:txBody>
-      </p:sp>
-      <p:sp>
-        <p:nvSpPr>
-          <p:cNvPr id="3" name="Content Placeholder 2">
-            <a:extLst>
-              <a:ext uri="{FF2B5EF4-FFF2-40B4-BE49-F238E27FC236}">
-                <a16:creationId xmlns:a16="http://schemas.microsoft.com/office/drawing/2014/main" id="{1BAF9962-D2AC-4E93-9753-C37D2D869774}"/>
-              </a:ext>
-            </a:extLst>
-          </p:cNvPr>
-          <p:cNvSpPr>
-            <a:spLocks noGrp="1"/>
-          </p:cNvSpPr>
-          <p:nvPr>
-            <p:ph idx="1"/>
-          </p:nvPr>
-        </p:nvSpPr>
-        <p:spPr>
-          <a:xfrm>
-            <a:off x="838200" y="1825624"/>
-            <a:ext cx="10515600" cy="4525071"/>
-          </a:xfrm>
-        </p:spPr>
-        <p:txBody>
-          <a:bodyPr>
-            <a:normAutofit/>
-          </a:bodyPr>
-          <a:lstStyle/>
-          <a:p>
-            <a:r>
-              <a:rPr lang="en-US" dirty="0"/>
-              <a:t>Environment &amp; assumption:</a:t>
-            </a:r>
-          </a:p>
-          <a:p>
-            <a:pPr lvl="1"/>
-            <a:r>
-              <a:rPr lang="en-US" dirty="0" err="1"/>
-              <a:t>priorityMode</a:t>
-            </a:r>
-            <a:r>
-              <a:rPr lang="en-US" dirty="0"/>
-              <a:t> initialized to </a:t>
-            </a:r>
-            <a:r>
-              <a:rPr lang="en-US" i="1" dirty="0"/>
-              <a:t>false</a:t>
-            </a:r>
-          </a:p>
-          <a:p>
-            <a:pPr lvl="1"/>
-            <a:r>
-              <a:rPr lang="en-US" dirty="0"/>
-              <a:t>When </a:t>
-            </a:r>
-            <a:r>
-              <a:rPr lang="en-US" i="1" dirty="0"/>
-              <a:t>true </a:t>
-            </a:r>
-            <a:r>
-              <a:rPr lang="en-US" dirty="0"/>
-              <a:t>- warehouse packages are prioritized for pick-up over house requests.</a:t>
-            </a:r>
-          </a:p>
-          <a:p>
-            <a:pPr lvl="2">
-              <a:buFont typeface="Wingdings" panose="05000000000000000000" pitchFamily="2" charset="2"/>
-              <a:buChar char="§"/>
-            </a:pPr>
-            <a:r>
-              <a:rPr lang="en-US" dirty="0"/>
-              <a:t>Drone can pick up only up to </a:t>
-            </a:r>
-            <a:r>
-              <a:rPr lang="en-US" dirty="0" err="1"/>
-              <a:t>priorityCap</a:t>
-            </a:r>
-            <a:r>
-              <a:rPr lang="en-US" dirty="0"/>
-              <a:t> # of packages before a warehouse package.</a:t>
-            </a:r>
-          </a:p>
-          <a:p>
-            <a:r>
-              <a:rPr lang="en-US" dirty="0"/>
-              <a:t>1 counter:</a:t>
-            </a:r>
-          </a:p>
-          <a:p>
-            <a:pPr lvl="1"/>
-            <a:r>
-              <a:rPr lang="en-US" dirty="0"/>
-              <a:t>Counts how many house packages were picked up while in priority mode, up to </a:t>
-            </a:r>
-            <a:r>
-              <a:rPr lang="en-US" dirty="0" err="1"/>
-              <a:t>priorityCap</a:t>
-            </a:r>
-            <a:r>
-              <a:rPr lang="en-US" dirty="0"/>
-              <a:t>.</a:t>
-            </a:r>
-          </a:p>
-          <a:p>
-            <a:pPr marL="457200" lvl="1" indent="0">
-              <a:buNone/>
-            </a:pPr>
-            <a:endParaRPr lang="en-US" dirty="0"/>
-          </a:p>
-          <a:p>
-            <a:r>
-              <a:rPr lang="en-US" dirty="0"/>
-              <a:t>1 guarantee:</a:t>
-            </a:r>
-          </a:p>
-          <a:p>
-            <a:pPr lvl="1"/>
-            <a:r>
-              <a:rPr lang="en-US" dirty="0"/>
-              <a:t>By default, only one request can be picked up before priority request.</a:t>
-            </a:r>
-          </a:p>
-          <a:p>
-            <a:endParaRPr lang="en-US" dirty="0"/>
-          </a:p>
-          <a:p>
-            <a:endParaRPr lang="en-IL" dirty="0"/>
-          </a:p>
-        </p:txBody>
-      </p:sp>
-      <p:pic>
-        <p:nvPicPr>
-          <p:cNvPr id="7" name="Picture 6">
-            <a:extLst>
-              <a:ext uri="{FF2B5EF4-FFF2-40B4-BE49-F238E27FC236}">
-                <a16:creationId xmlns:a16="http://schemas.microsoft.com/office/drawing/2014/main" id="{2DC828EA-596F-4707-81BA-E252ADF9FC66}"/>
-              </a:ext>
-            </a:extLst>
-          </p:cNvPr>
-          <p:cNvPicPr>
-            <a:picLocks noChangeAspect="1"/>
-          </p:cNvPicPr>
-          <p:nvPr/>
-        </p:nvPicPr>
-        <p:blipFill>
-          <a:blip r:embed="rId2"/>
-          <a:stretch>
-            <a:fillRect/>
-          </a:stretch>
-        </p:blipFill>
-        <p:spPr>
-          <a:xfrm>
-            <a:off x="7520005" y="2040832"/>
-            <a:ext cx="3147456" cy="536030"/>
-          </a:xfrm>
-          <a:prstGeom prst="rect">
-            <a:avLst/>
-          </a:prstGeom>
-        </p:spPr>
-      </p:pic>
-      <p:pic>
-        <p:nvPicPr>
-          <p:cNvPr id="9" name="Picture 8">
-            <a:extLst>
-              <a:ext uri="{FF2B5EF4-FFF2-40B4-BE49-F238E27FC236}">
-                <a16:creationId xmlns:a16="http://schemas.microsoft.com/office/drawing/2014/main" id="{2032C2B3-ADBC-4AD8-923D-A500363F2C07}"/>
-              </a:ext>
-            </a:extLst>
-          </p:cNvPr>
-          <p:cNvPicPr>
-            <a:picLocks noChangeAspect="1"/>
-          </p:cNvPicPr>
-          <p:nvPr/>
-        </p:nvPicPr>
-        <p:blipFill>
-          <a:blip r:embed="rId3"/>
-          <a:stretch>
-            <a:fillRect/>
-          </a:stretch>
-        </p:blipFill>
-        <p:spPr>
-          <a:xfrm>
-            <a:off x="1608398" y="6322459"/>
-            <a:ext cx="3294519" cy="326344"/>
-          </a:xfrm>
-          <a:prstGeom prst="rect">
-            <a:avLst/>
-          </a:prstGeom>
-        </p:spPr>
-      </p:pic>
-      <p:pic>
-        <p:nvPicPr>
-          <p:cNvPr id="11" name="Picture 10">
-            <a:extLst>
-              <a:ext uri="{FF2B5EF4-FFF2-40B4-BE49-F238E27FC236}">
-                <a16:creationId xmlns:a16="http://schemas.microsoft.com/office/drawing/2014/main" id="{6BC0650D-DE54-4C3C-A7E9-5D1D084518D8}"/>
-              </a:ext>
-            </a:extLst>
-          </p:cNvPr>
-          <p:cNvPicPr>
-            <a:picLocks noChangeAspect="1"/>
-          </p:cNvPicPr>
-          <p:nvPr/>
-        </p:nvPicPr>
-        <p:blipFill>
-          <a:blip r:embed="rId4"/>
-          <a:stretch>
-            <a:fillRect/>
-          </a:stretch>
-        </p:blipFill>
-        <p:spPr>
-          <a:xfrm>
-            <a:off x="5088516" y="4616414"/>
-            <a:ext cx="6763370" cy="1270968"/>
-          </a:xfrm>
-          <a:prstGeom prst="rect">
-            <a:avLst/>
-          </a:prstGeom>
-        </p:spPr>
-      </p:pic>
-    </p:spTree>
-    <p:extLst>
-      <p:ext uri="{BB962C8B-B14F-4D97-AF65-F5344CB8AC3E}">
-        <p14:creationId xmlns:p14="http://schemas.microsoft.com/office/powerpoint/2010/main" val="1167305130"/>
-      </p:ext>
-    </p:extLst>
-  </p:cSld>
-  <p:clrMapOvr>
-    <a:masterClrMapping/>
-  </p:clrMapOvr>
-</p:sld>
-</file>
-
-<file path=ppt/slides/slide11.xml><?xml version="1.0" encoding="utf-8"?>
-<p:sld xmlns:a="http://schemas.openxmlformats.org/drawingml/2006/main" xmlns:r="http://schemas.openxmlformats.org/officeDocument/2006/relationships" xmlns:p="http://schemas.openxmlformats.org/presentationml/2006/main">
-  <p:cSld>
-    <p:spTree>
-      <p:nvGrpSpPr>
-        <p:cNvPr id="1" name=""/>
-        <p:cNvGrpSpPr/>
-        <p:nvPr/>
-      </p:nvGrpSpPr>
-      <p:grpSpPr>
-        <a:xfrm>
-          <a:off x="0" y="0"/>
-          <a:ext cx="0" cy="0"/>
-          <a:chOff x="0" y="0"/>
-          <a:chExt cx="0" cy="0"/>
-        </a:xfrm>
-      </p:grpSpPr>
-      <p:sp>
-        <p:nvSpPr>
-          <p:cNvPr id="2" name="Title 1">
-            <a:extLst>
-              <a:ext uri="{FF2B5EF4-FFF2-40B4-BE49-F238E27FC236}">
                 <a16:creationId xmlns:a16="http://schemas.microsoft.com/office/drawing/2014/main" id="{21E7B322-3E0B-47AB-AA29-A6CE376B92B4}"/>
               </a:ext>
             </a:extLst>
@@ -4917,7 +4638,7 @@
 </p:sld>
 </file>
 
-<file path=ppt/slides/slide12.xml><?xml version="1.0" encoding="utf-8"?>
+<file path=ppt/slides/slide11.xml><?xml version="1.0" encoding="utf-8"?>
 <p:sld xmlns:a="http://schemas.openxmlformats.org/drawingml/2006/main" xmlns:r="http://schemas.openxmlformats.org/officeDocument/2006/relationships" xmlns:p="http://schemas.openxmlformats.org/presentationml/2006/main">
   <p:cSld>
     <p:spTree>
@@ -5190,7 +4911,7 @@
 </p:sld>
 </file>
 
-<file path=ppt/slides/slide13.xml><?xml version="1.0" encoding="utf-8"?>
+<file path=ppt/slides/slide12.xml><?xml version="1.0" encoding="utf-8"?>
 <p:sld xmlns:a="http://schemas.openxmlformats.org/drawingml/2006/main" xmlns:r="http://schemas.openxmlformats.org/officeDocument/2006/relationships" xmlns:p="http://schemas.openxmlformats.org/presentationml/2006/main">
   <p:cSld>
     <p:spTree>
@@ -5476,7 +5197,7 @@
 </p:sld>
 </file>
 
-<file path=ppt/slides/slide14.xml><?xml version="1.0" encoding="utf-8"?>
+<file path=ppt/slides/slide13.xml><?xml version="1.0" encoding="utf-8"?>
 <p:sld xmlns:a="http://schemas.openxmlformats.org/drawingml/2006/main" xmlns:r="http://schemas.openxmlformats.org/officeDocument/2006/relationships" xmlns:p="http://schemas.openxmlformats.org/presentationml/2006/main">
   <p:cSld>
     <p:spTree>
@@ -5695,7 +5416,7 @@
 </p:sld>
 </file>
 
-<file path=ppt/slides/slide15.xml><?xml version="1.0" encoding="utf-8"?>
+<file path=ppt/slides/slide14.xml><?xml version="1.0" encoding="utf-8"?>
 <p:sld xmlns:a="http://schemas.openxmlformats.org/drawingml/2006/main" xmlns:r="http://schemas.openxmlformats.org/officeDocument/2006/relationships" xmlns:p="http://schemas.openxmlformats.org/presentationml/2006/main">
   <p:cSld>
     <p:spTree>
@@ -6077,7 +5798,7 @@
 </p:sld>
 </file>
 
-<file path=ppt/slides/slide16.xml><?xml version="1.0" encoding="utf-8"?>
+<file path=ppt/slides/slide15.xml><?xml version="1.0" encoding="utf-8"?>
 <p:sld xmlns:a="http://schemas.openxmlformats.org/drawingml/2006/main" xmlns:r="http://schemas.openxmlformats.org/officeDocument/2006/relationships" xmlns:p="http://schemas.openxmlformats.org/presentationml/2006/main">
   <p:cSld>
     <p:spTree>
@@ -6333,7 +6054,7 @@
 </p:sld>
 </file>
 
-<file path=ppt/slides/slide17.xml><?xml version="1.0" encoding="utf-8"?>
+<file path=ppt/slides/slide16.xml><?xml version="1.0" encoding="utf-8"?>
 <p:sld xmlns:a="http://schemas.openxmlformats.org/drawingml/2006/main" xmlns:r="http://schemas.openxmlformats.org/officeDocument/2006/relationships" xmlns:p="http://schemas.openxmlformats.org/presentationml/2006/main">
   <p:cSld>
     <p:spTree>
@@ -6575,7 +6296,7 @@
 </p:sld>
 </file>
 
-<file path=ppt/slides/slide18.xml><?xml version="1.0" encoding="utf-8"?>
+<file path=ppt/slides/slide17.xml><?xml version="1.0" encoding="utf-8"?>
 <p:sld xmlns:a="http://schemas.openxmlformats.org/drawingml/2006/main" xmlns:r="http://schemas.openxmlformats.org/officeDocument/2006/relationships" xmlns:p="http://schemas.openxmlformats.org/presentationml/2006/main">
   <p:cSld>
     <p:spTree>
@@ -6712,7 +6433,7 @@
 </p:sld>
 </file>
 
-<file path=ppt/slides/slide19.xml><?xml version="1.0" encoding="utf-8"?>
+<file path=ppt/slides/slide18.xml><?xml version="1.0" encoding="utf-8"?>
 <p:sld xmlns:a="http://schemas.openxmlformats.org/drawingml/2006/main" xmlns:r="http://schemas.openxmlformats.org/officeDocument/2006/relationships" xmlns:p="http://schemas.openxmlformats.org/presentationml/2006/main">
   <p:cSld>
     <p:spTree>
@@ -7304,198 +7025,7 @@
 </p:sld>
 </file>
 
-<file path=ppt/slides/slide2.xml><?xml version="1.0" encoding="utf-8"?>
-<p:sld xmlns:a="http://schemas.openxmlformats.org/drawingml/2006/main" xmlns:r="http://schemas.openxmlformats.org/officeDocument/2006/relationships" xmlns:p="http://schemas.openxmlformats.org/presentationml/2006/main">
-  <p:cSld>
-    <p:spTree>
-      <p:nvGrpSpPr>
-        <p:cNvPr id="1" name=""/>
-        <p:cNvGrpSpPr/>
-        <p:nvPr/>
-      </p:nvGrpSpPr>
-      <p:grpSpPr>
-        <a:xfrm>
-          <a:off x="0" y="0"/>
-          <a:ext cx="0" cy="0"/>
-          <a:chOff x="0" y="0"/>
-          <a:chExt cx="0" cy="0"/>
-        </a:xfrm>
-      </p:grpSpPr>
-      <p:sp>
-        <p:nvSpPr>
-          <p:cNvPr id="2" name="Title 1">
-            <a:extLst>
-              <a:ext uri="{FF2B5EF4-FFF2-40B4-BE49-F238E27FC236}">
-                <a16:creationId xmlns:a16="http://schemas.microsoft.com/office/drawing/2014/main" id="{6970E706-AA1A-4A23-88DD-F7590C578834}"/>
-              </a:ext>
-            </a:extLst>
-          </p:cNvPr>
-          <p:cNvSpPr>
-            <a:spLocks noGrp="1"/>
-          </p:cNvSpPr>
-          <p:nvPr>
-            <p:ph type="title"/>
-          </p:nvPr>
-        </p:nvSpPr>
-        <p:spPr/>
-        <p:txBody>
-          <a:bodyPr/>
-          <a:lstStyle/>
-          <a:p>
-            <a:r>
-              <a:rPr lang="en-US" dirty="0"/>
-              <a:t>Spectra Requirements</a:t>
-            </a:r>
-            <a:endParaRPr lang="en-IL" dirty="0"/>
-          </a:p>
-        </p:txBody>
-      </p:sp>
-      <p:sp>
-        <p:nvSpPr>
-          <p:cNvPr id="3" name="Content Placeholder 2">
-            <a:extLst>
-              <a:ext uri="{FF2B5EF4-FFF2-40B4-BE49-F238E27FC236}">
-                <a16:creationId xmlns:a16="http://schemas.microsoft.com/office/drawing/2014/main" id="{92DB6DE1-A2A3-476F-B816-EC02F2CC199E}"/>
-              </a:ext>
-            </a:extLst>
-          </p:cNvPr>
-          <p:cNvSpPr>
-            <a:spLocks noGrp="1"/>
-          </p:cNvSpPr>
-          <p:nvPr>
-            <p:ph idx="1"/>
-          </p:nvPr>
-        </p:nvSpPr>
-        <p:spPr>
-          <a:xfrm>
-            <a:off x="838200" y="1690687"/>
-            <a:ext cx="10515600" cy="4518383"/>
-          </a:xfrm>
-        </p:spPr>
-        <p:txBody>
-          <a:bodyPr>
-            <a:normAutofit lnSpcReduction="10000"/>
-          </a:bodyPr>
-          <a:lstStyle/>
-          <a:p>
-            <a:pPr marL="0" indent="0">
-              <a:buNone/>
-            </a:pPr>
-            <a:r>
-              <a:rPr lang="en-US" sz="2400" b="0" i="0" u="none" strike="noStrike" baseline="0" dirty="0">
-                <a:solidFill>
-                  <a:srgbClr val="000000"/>
-                </a:solidFill>
-                <a:latin typeface="Calibri" panose="020F0502020204030204" pitchFamily="34" charset="0"/>
-              </a:rPr>
-              <a:t>Full functioning Delivery Drone based on variables, guarantees and assumptions which are declared and synthesized using Spectra language.</a:t>
-            </a:r>
-          </a:p>
-          <a:p>
-            <a:pPr lvl="1"/>
-            <a:r>
-              <a:rPr lang="en-US" dirty="0"/>
-              <a:t>Maintain a request &amp; delivery drone system between houses and warehouse </a:t>
-            </a:r>
-          </a:p>
-          <a:p>
-            <a:pPr lvl="1"/>
-            <a:r>
-              <a:rPr lang="en-US" dirty="0"/>
-              <a:t>Every request must be picked up eventually </a:t>
-            </a:r>
-          </a:p>
-          <a:p>
-            <a:pPr lvl="1"/>
-            <a:r>
-              <a:rPr lang="en-US" dirty="0"/>
-              <a:t>Every request picked up, must be delivered to its destination eventually</a:t>
-            </a:r>
-          </a:p>
-          <a:p>
-            <a:pPr lvl="1"/>
-            <a:r>
-              <a:rPr lang="en-US" dirty="0"/>
-              <a:t>Each location holds only one request before pickup  – the last one sent</a:t>
-            </a:r>
-          </a:p>
-          <a:p>
-            <a:pPr lvl="1"/>
-            <a:r>
-              <a:rPr lang="en-US" dirty="0"/>
-              <a:t>Request &amp; wait mechanism for packages &amp; envelopes to be picked up</a:t>
-            </a:r>
-          </a:p>
-          <a:p>
-            <a:pPr lvl="1"/>
-            <a:r>
-              <a:rPr lang="en-US" dirty="0"/>
-              <a:t>Default Drone inventory includes room for 6 envelopes and 2 packages</a:t>
-            </a:r>
-          </a:p>
-          <a:p>
-            <a:pPr lvl="1"/>
-            <a:r>
-              <a:rPr lang="en-US" dirty="0"/>
-              <a:t>Drone must drop off package/envelope when it can</a:t>
-            </a:r>
-          </a:p>
-          <a:p>
-            <a:pPr lvl="1"/>
-            <a:r>
-              <a:rPr lang="en-US" dirty="0"/>
-              <a:t>Changing movement policy with regards to </a:t>
-            </a:r>
-            <a:r>
-              <a:rPr lang="en-US" i="1" dirty="0"/>
-              <a:t>winds</a:t>
-            </a:r>
-            <a:endParaRPr lang="en-US" dirty="0"/>
-          </a:p>
-          <a:p>
-            <a:pPr lvl="1"/>
-            <a:r>
-              <a:rPr lang="en-US" dirty="0"/>
-              <a:t>Changing pickup policy with regards </a:t>
-            </a:r>
-            <a:r>
-              <a:rPr lang="en-US" i="1" dirty="0"/>
-              <a:t>priority packages</a:t>
-            </a:r>
-            <a:r>
-              <a:rPr lang="en-US" dirty="0"/>
-              <a:t> from the warehouse</a:t>
-            </a:r>
-          </a:p>
-          <a:p>
-            <a:pPr lvl="1"/>
-            <a:r>
-              <a:rPr lang="en-US" dirty="0"/>
-              <a:t>Managing pickups with a limited battery</a:t>
-            </a:r>
-          </a:p>
-          <a:p>
-            <a:endParaRPr lang="en-US" sz="2400" dirty="0"/>
-          </a:p>
-          <a:p>
-            <a:endParaRPr lang="en-US" sz="2400" dirty="0"/>
-          </a:p>
-        </p:txBody>
-      </p:sp>
-    </p:spTree>
-    <p:extLst>
-      <p:ext uri="{BB962C8B-B14F-4D97-AF65-F5344CB8AC3E}">
-        <p14:creationId xmlns:p14="http://schemas.microsoft.com/office/powerpoint/2010/main" val="3532418789"/>
-      </p:ext>
-    </p:extLst>
-  </p:cSld>
-  <p:clrMapOvr>
-    <a:masterClrMapping/>
-  </p:clrMapOvr>
-</p:sld>
-</file>
-
-<file path=ppt/slides/slide20.xml><?xml version="1.0" encoding="utf-8"?>
+<file path=ppt/slides/slide19.xml><?xml version="1.0" encoding="utf-8"?>
 <p:sld xmlns:a="http://schemas.openxmlformats.org/drawingml/2006/main" xmlns:r="http://schemas.openxmlformats.org/officeDocument/2006/relationships" xmlns:p="http://schemas.openxmlformats.org/presentationml/2006/main">
   <p:cSld>
     <p:spTree>
@@ -7910,6 +7440,197 @@
 </p:sld>
 </file>
 
+<file path=ppt/slides/slide2.xml><?xml version="1.0" encoding="utf-8"?>
+<p:sld xmlns:a="http://schemas.openxmlformats.org/drawingml/2006/main" xmlns:r="http://schemas.openxmlformats.org/officeDocument/2006/relationships" xmlns:p="http://schemas.openxmlformats.org/presentationml/2006/main">
+  <p:cSld>
+    <p:spTree>
+      <p:nvGrpSpPr>
+        <p:cNvPr id="1" name=""/>
+        <p:cNvGrpSpPr/>
+        <p:nvPr/>
+      </p:nvGrpSpPr>
+      <p:grpSpPr>
+        <a:xfrm>
+          <a:off x="0" y="0"/>
+          <a:ext cx="0" cy="0"/>
+          <a:chOff x="0" y="0"/>
+          <a:chExt cx="0" cy="0"/>
+        </a:xfrm>
+      </p:grpSpPr>
+      <p:sp>
+        <p:nvSpPr>
+          <p:cNvPr id="2" name="Title 1">
+            <a:extLst>
+              <a:ext uri="{FF2B5EF4-FFF2-40B4-BE49-F238E27FC236}">
+                <a16:creationId xmlns:a16="http://schemas.microsoft.com/office/drawing/2014/main" id="{6970E706-AA1A-4A23-88DD-F7590C578834}"/>
+              </a:ext>
+            </a:extLst>
+          </p:cNvPr>
+          <p:cNvSpPr>
+            <a:spLocks noGrp="1"/>
+          </p:cNvSpPr>
+          <p:nvPr>
+            <p:ph type="title"/>
+          </p:nvPr>
+        </p:nvSpPr>
+        <p:spPr/>
+        <p:txBody>
+          <a:bodyPr/>
+          <a:lstStyle/>
+          <a:p>
+            <a:r>
+              <a:rPr lang="en-US" dirty="0"/>
+              <a:t>Spectra Requirements</a:t>
+            </a:r>
+            <a:endParaRPr lang="en-IL" dirty="0"/>
+          </a:p>
+        </p:txBody>
+      </p:sp>
+      <p:sp>
+        <p:nvSpPr>
+          <p:cNvPr id="3" name="Content Placeholder 2">
+            <a:extLst>
+              <a:ext uri="{FF2B5EF4-FFF2-40B4-BE49-F238E27FC236}">
+                <a16:creationId xmlns:a16="http://schemas.microsoft.com/office/drawing/2014/main" id="{92DB6DE1-A2A3-476F-B816-EC02F2CC199E}"/>
+              </a:ext>
+            </a:extLst>
+          </p:cNvPr>
+          <p:cNvSpPr>
+            <a:spLocks noGrp="1"/>
+          </p:cNvSpPr>
+          <p:nvPr>
+            <p:ph idx="1"/>
+          </p:nvPr>
+        </p:nvSpPr>
+        <p:spPr>
+          <a:xfrm>
+            <a:off x="838200" y="1690687"/>
+            <a:ext cx="10515600" cy="4518383"/>
+          </a:xfrm>
+        </p:spPr>
+        <p:txBody>
+          <a:bodyPr>
+            <a:normAutofit lnSpcReduction="10000"/>
+          </a:bodyPr>
+          <a:lstStyle/>
+          <a:p>
+            <a:pPr marL="0" indent="0">
+              <a:buNone/>
+            </a:pPr>
+            <a:r>
+              <a:rPr lang="en-US" sz="2400" b="0" i="0" u="none" strike="noStrike" baseline="0" dirty="0">
+                <a:solidFill>
+                  <a:srgbClr val="000000"/>
+                </a:solidFill>
+                <a:latin typeface="Calibri" panose="020F0502020204030204" pitchFamily="34" charset="0"/>
+              </a:rPr>
+              <a:t>Full functioning Delivery Drone based on variables, guarantees and assumptions which are declared and synthesized using Spectra language.</a:t>
+            </a:r>
+          </a:p>
+          <a:p>
+            <a:pPr lvl="1"/>
+            <a:r>
+              <a:rPr lang="en-US" dirty="0"/>
+              <a:t>Maintain a request &amp; delivery drone system between houses and warehouse </a:t>
+            </a:r>
+          </a:p>
+          <a:p>
+            <a:pPr lvl="1"/>
+            <a:r>
+              <a:rPr lang="en-US" dirty="0"/>
+              <a:t>Every request must be picked up eventually </a:t>
+            </a:r>
+          </a:p>
+          <a:p>
+            <a:pPr lvl="1"/>
+            <a:r>
+              <a:rPr lang="en-US" dirty="0"/>
+              <a:t>Every request picked up, must be delivered to its destination eventually</a:t>
+            </a:r>
+          </a:p>
+          <a:p>
+            <a:pPr lvl="1"/>
+            <a:r>
+              <a:rPr lang="en-US" dirty="0"/>
+              <a:t>Each location holds only one request before pickup  – the last one sent</a:t>
+            </a:r>
+          </a:p>
+          <a:p>
+            <a:pPr lvl="1"/>
+            <a:r>
+              <a:rPr lang="en-US" dirty="0"/>
+              <a:t>Default Drone inventory includes room for 5 envelopes and 2 packages</a:t>
+            </a:r>
+          </a:p>
+          <a:p>
+            <a:pPr lvl="1"/>
+            <a:r>
+              <a:rPr lang="en-US" dirty="0"/>
+              <a:t>Drone must drop off package/envelope when it can</a:t>
+            </a:r>
+          </a:p>
+          <a:p>
+            <a:pPr lvl="1"/>
+            <a:r>
+              <a:rPr lang="en-US" dirty="0"/>
+              <a:t>Drone must stay put if there is no request to pickup/ drop off</a:t>
+            </a:r>
+          </a:p>
+          <a:p>
+            <a:pPr lvl="1"/>
+            <a:r>
+              <a:rPr lang="en-US" dirty="0"/>
+              <a:t>Changing movement policy with regards to </a:t>
+            </a:r>
+            <a:r>
+              <a:rPr lang="en-US" i="1" dirty="0"/>
+              <a:t>winds</a:t>
+            </a:r>
+            <a:endParaRPr lang="en-US" dirty="0"/>
+          </a:p>
+          <a:p>
+            <a:pPr lvl="1"/>
+            <a:r>
+              <a:rPr lang="en-US" dirty="0"/>
+              <a:t>Changing pickup policy with regards </a:t>
+            </a:r>
+            <a:r>
+              <a:rPr lang="en-US" i="1" dirty="0"/>
+              <a:t>priority packages</a:t>
+            </a:r>
+            <a:r>
+              <a:rPr lang="en-US" dirty="0"/>
+              <a:t> from the warehouse</a:t>
+            </a:r>
+          </a:p>
+          <a:p>
+            <a:pPr lvl="1"/>
+            <a:r>
+              <a:rPr lang="en-US" dirty="0"/>
+              <a:t>Managing pickups with a limited battery</a:t>
+            </a:r>
+          </a:p>
+          <a:p>
+            <a:endParaRPr lang="en-US" sz="2400" dirty="0"/>
+          </a:p>
+          <a:p>
+            <a:endParaRPr lang="en-US" sz="2400" dirty="0"/>
+          </a:p>
+        </p:txBody>
+      </p:sp>
+    </p:spTree>
+    <p:extLst>
+      <p:ext uri="{BB962C8B-B14F-4D97-AF65-F5344CB8AC3E}">
+        <p14:creationId xmlns:p14="http://schemas.microsoft.com/office/powerpoint/2010/main" val="3532418789"/>
+      </p:ext>
+    </p:extLst>
+  </p:cSld>
+  <p:clrMapOvr>
+    <a:masterClrMapping/>
+  </p:clrMapOvr>
+</p:sld>
+</file>
+
 <file path=ppt/slides/slide3.xml><?xml version="1.0" encoding="utf-8"?>
 <p:sld xmlns:a="http://schemas.openxmlformats.org/drawingml/2006/main" xmlns:r="http://schemas.openxmlformats.org/officeDocument/2006/relationships" xmlns:p="http://schemas.openxmlformats.org/presentationml/2006/main">
   <p:cSld>
@@ -8118,8 +7839,8 @@
         </p:nvSpPr>
         <p:spPr>
           <a:xfrm>
-            <a:off x="838200" y="2082329"/>
-            <a:ext cx="11111144" cy="4351338"/>
+            <a:off x="838200" y="1900309"/>
+            <a:ext cx="11111144" cy="4957691"/>
           </a:xfrm>
         </p:spPr>
         <p:txBody>
@@ -8160,17 +7881,12 @@
               <a:rPr lang="en-US" sz="2250" dirty="0"/>
               <a:t>envelopeRequests[i]- represent if the request from house #(i+1) is an envelope.</a:t>
             </a:r>
-          </a:p>
-          <a:p>
-            <a:pPr marL="0" indent="0">
-              <a:buNone/>
-            </a:pPr>
             <a:endParaRPr lang="en-US" dirty="0"/>
           </a:p>
           <a:p>
             <a:r>
               <a:rPr lang="en-US" dirty="0"/>
-              <a:t>Basic assumptions: </a:t>
+              <a:t>Assumptions: </a:t>
             </a:r>
           </a:p>
           <a:p>
@@ -8203,7 +7919,24 @@
           </a:p>
           <a:p>
             <a:pPr lvl="1"/>
-            <a:endParaRPr lang="en-IL" dirty="0"/>
+            <a:r>
+              <a:rPr lang="en-US" dirty="0"/>
+              <a:t>Request can not disappear:</a:t>
+            </a:r>
+          </a:p>
+          <a:p>
+            <a:pPr lvl="2"/>
+            <a:r>
+              <a:rPr lang="en-US" dirty="0"/>
+              <a:t>For each house and warehouse request can pickup or stay.</a:t>
+            </a:r>
+          </a:p>
+          <a:p>
+            <a:pPr lvl="2"/>
+            <a:r>
+              <a:rPr lang="en-US" dirty="0"/>
+              <a:t>Example:</a:t>
+            </a:r>
           </a:p>
         </p:txBody>
       </p:sp>
@@ -8229,8 +7962,8 @@
         </p:blipFill>
         <p:spPr>
           <a:xfrm>
-            <a:off x="5822957" y="1855564"/>
-            <a:ext cx="6126387" cy="783282"/>
+            <a:off x="6393772" y="1900309"/>
+            <a:ext cx="5420803" cy="693070"/>
           </a:xfrm>
           <a:prstGeom prst="rect">
             <a:avLst/>
@@ -8259,8 +7992,38 @@
         </p:blipFill>
         <p:spPr>
           <a:xfrm>
-            <a:off x="5540122" y="4257998"/>
-            <a:ext cx="5680513" cy="2357688"/>
+            <a:off x="6393772" y="3734659"/>
+            <a:ext cx="4827037" cy="2003454"/>
+          </a:xfrm>
+          <a:prstGeom prst="rect">
+            <a:avLst/>
+          </a:prstGeom>
+        </p:spPr>
+      </p:pic>
+      <p:pic>
+        <p:nvPicPr>
+          <p:cNvPr id="5" name="Picture 4">
+            <a:extLst>
+              <a:ext uri="{FF2B5EF4-FFF2-40B4-BE49-F238E27FC236}">
+                <a16:creationId xmlns:a16="http://schemas.microsoft.com/office/drawing/2014/main" id="{F480920A-B645-4480-B903-398F2432AAD3}"/>
+              </a:ext>
+            </a:extLst>
+          </p:cNvPr>
+          <p:cNvPicPr>
+            <a:picLocks noChangeAspect="1"/>
+          </p:cNvPicPr>
+          <p:nvPr/>
+        </p:nvPicPr>
+        <p:blipFill>
+          <a:blip r:embed="rId4"/>
+          <a:stretch>
+            <a:fillRect/>
+          </a:stretch>
+        </p:blipFill>
+        <p:spPr>
+          <a:xfrm>
+            <a:off x="2943773" y="6364070"/>
+            <a:ext cx="9005571" cy="257609"/>
           </a:xfrm>
           <a:prstGeom prst="rect">
             <a:avLst/>
@@ -8319,8 +8082,15 @@
           <a:lstStyle/>
           <a:p>
             <a:r>
-              <a:rPr lang="en-US" dirty="0"/>
-              <a:t>Spectra Specification – System &amp; Monitors </a:t>
+              <a:rPr lang="en-US"/>
+              <a:t>Spectra Specification – System &amp; Counters </a:t>
+            </a:r>
+            <a:br>
+              <a:rPr lang="en-US"/>
+            </a:br>
+            <a:r>
+              <a:rPr lang="en-US" sz="2800"/>
+              <a:t>(Inventory system)</a:t>
             </a:r>
             <a:endParaRPr lang="en-IL" dirty="0"/>
           </a:p>
@@ -8349,87 +8119,87 @@
           </a:xfrm>
         </p:spPr>
         <p:txBody>
-          <a:bodyPr/>
+          <a:bodyPr>
+            <a:normAutofit/>
+          </a:bodyPr>
           <a:lstStyle/>
           <a:p>
             <a:r>
-              <a:rPr lang="en-US" dirty="0"/>
+              <a:rPr lang="en-US" sz="2400" dirty="0"/>
               <a:t>3 system variables:</a:t>
             </a:r>
           </a:p>
           <a:p>
             <a:pPr lvl="1"/>
             <a:r>
-              <a:rPr lang="en-US" dirty="0"/>
+              <a:rPr lang="en-US" sz="2100" dirty="0"/>
               <a:t>Drone - array of 2 Cord to represent the drone location on the grid.</a:t>
             </a:r>
           </a:p>
           <a:p>
             <a:pPr lvl="1"/>
             <a:r>
-              <a:rPr lang="en-US" dirty="0" err="1"/>
-              <a:t>PickUpThisState</a:t>
-            </a:r>
-            <a:r>
-              <a:rPr lang="en-US" dirty="0"/>
-              <a:t> - number between 0 to 8 – represent current pickup by location.</a:t>
+              <a:rPr lang="en-US" sz="2100" dirty="0"/>
+              <a:t>PickUpThisState - Enum represent current pickup by location.</a:t>
             </a:r>
           </a:p>
           <a:p>
             <a:pPr lvl="1"/>
             <a:r>
-              <a:rPr lang="en-US" dirty="0" err="1"/>
-              <a:t>DropOffThisState</a:t>
-            </a:r>
-            <a:r>
-              <a:rPr lang="en-US" dirty="0"/>
-              <a:t> - number between 0 to 6 – represent current drop-off by location.</a:t>
-            </a:r>
-          </a:p>
-          <a:p>
-            <a:r>
-              <a:rPr lang="en-US" dirty="0"/>
-              <a:t>8 monitors:</a:t>
+              <a:rPr lang="en-US" sz="2100" dirty="0"/>
+              <a:t>DropOffThisState - Enum represent current drop-off by location.</a:t>
+            </a:r>
+          </a:p>
+          <a:p>
+            <a:r>
+              <a:rPr lang="en-US" sz="2400" dirty="0"/>
+              <a:t>7 counters:</a:t>
             </a:r>
           </a:p>
           <a:p>
             <a:pPr lvl="1"/>
             <a:r>
-              <a:rPr lang="en-US" dirty="0"/>
-              <a:t>Each house has 2 monitors:</a:t>
-            </a:r>
-          </a:p>
-          <a:p>
-            <a:pPr lvl="2"/>
-            <a:r>
-              <a:rPr lang="en-US" dirty="0"/>
-              <a:t>Monitor to remember a request from house to warehouse</a:t>
-            </a:r>
-          </a:p>
-          <a:p>
-            <a:pPr lvl="2"/>
-            <a:r>
-              <a:rPr lang="en-US" dirty="0"/>
-              <a:t>Monitor to remember a request from warehouse to house</a:t>
-            </a:r>
-            <a:endParaRPr lang="en-IL" dirty="0"/>
+              <a:rPr lang="en-US" sz="2100" dirty="0"/>
+              <a:t>4 counters (one for each house): count packages on the drone for each house destination.</a:t>
+            </a:r>
           </a:p>
           <a:p>
             <a:pPr lvl="1"/>
             <a:r>
-              <a:rPr lang="en-US" dirty="0"/>
-              <a:t>Example:</a:t>
-            </a:r>
-            <a:endParaRPr lang="en-IL" dirty="0"/>
+              <a:rPr lang="he-IL" sz="2100" dirty="0"/>
+              <a:t>2</a:t>
+            </a:r>
+            <a:r>
+              <a:rPr lang="en-US" sz="2100" dirty="0"/>
+              <a:t> counters : count how many packages/envelopes on the drone are destined to warehouse.</a:t>
+            </a:r>
+          </a:p>
+          <a:p>
+            <a:pPr lvl="1"/>
+            <a:r>
+              <a:rPr lang="en-US" sz="2100" dirty="0"/>
+              <a:t>1 counter : count total number of packages on the drone.</a:t>
+            </a:r>
+          </a:p>
+          <a:p>
+            <a:r>
+              <a:rPr lang="en-US" sz="2400" dirty="0"/>
+              <a:t>Examples:</a:t>
+            </a:r>
+            <a:endParaRPr lang="en-IL" sz="2400" dirty="0"/>
+          </a:p>
+          <a:p>
+            <a:pPr lvl="1"/>
+            <a:endParaRPr lang="en-US" dirty="0"/>
           </a:p>
         </p:txBody>
       </p:sp>
       <p:pic>
         <p:nvPicPr>
-          <p:cNvPr id="5" name="Picture 4">
-            <a:extLst>
-              <a:ext uri="{FF2B5EF4-FFF2-40B4-BE49-F238E27FC236}">
-                <a16:creationId xmlns:a16="http://schemas.microsoft.com/office/drawing/2014/main" id="{72CB6388-9B8A-4BF4-B672-414BB6DA163B}"/>
+          <p:cNvPr id="6" name="Picture 5">
+            <a:extLst>
+              <a:ext uri="{FF2B5EF4-FFF2-40B4-BE49-F238E27FC236}">
+                <a16:creationId xmlns:a16="http://schemas.microsoft.com/office/drawing/2014/main" id="{8147CBEB-E9B4-484F-B45B-3F1FAC43007D}"/>
               </a:ext>
             </a:extLst>
           </p:cNvPr>
@@ -8446,8 +8216,8 @@
         </p:blipFill>
         <p:spPr>
           <a:xfrm>
-            <a:off x="7491041" y="1690688"/>
-            <a:ext cx="4108358" cy="824565"/>
+            <a:off x="8710981" y="2490054"/>
+            <a:ext cx="3481019" cy="843147"/>
           </a:xfrm>
           <a:prstGeom prst="rect">
             <a:avLst/>
@@ -8456,10 +8226,10 @@
       </p:pic>
       <p:pic>
         <p:nvPicPr>
-          <p:cNvPr id="7" name="Picture 6">
-            <a:extLst>
-              <a:ext uri="{FF2B5EF4-FFF2-40B4-BE49-F238E27FC236}">
-                <a16:creationId xmlns:a16="http://schemas.microsoft.com/office/drawing/2014/main" id="{060B4B19-55ED-4995-814F-FDDE49E130E9}"/>
+          <p:cNvPr id="8" name="Picture 7">
+            <a:extLst>
+              <a:ext uri="{FF2B5EF4-FFF2-40B4-BE49-F238E27FC236}">
+                <a16:creationId xmlns:a16="http://schemas.microsoft.com/office/drawing/2014/main" id="{F0268AA3-B435-4A4B-AA14-71F1AC6E4270}"/>
               </a:ext>
             </a:extLst>
           </p:cNvPr>
@@ -8476,8 +8246,38 @@
         </p:blipFill>
         <p:spPr>
           <a:xfrm>
-            <a:off x="2758447" y="5382651"/>
-            <a:ext cx="8840952" cy="879405"/>
+            <a:off x="2432878" y="5233530"/>
+            <a:ext cx="4762827" cy="1447208"/>
+          </a:xfrm>
+          <a:prstGeom prst="rect">
+            <a:avLst/>
+          </a:prstGeom>
+        </p:spPr>
+      </p:pic>
+      <p:pic>
+        <p:nvPicPr>
+          <p:cNvPr id="11" name="Picture 10">
+            <a:extLst>
+              <a:ext uri="{FF2B5EF4-FFF2-40B4-BE49-F238E27FC236}">
+                <a16:creationId xmlns:a16="http://schemas.microsoft.com/office/drawing/2014/main" id="{5311F90F-8797-4F61-BA5A-792F49ED1ACB}"/>
+              </a:ext>
+            </a:extLst>
+          </p:cNvPr>
+          <p:cNvPicPr>
+            <a:picLocks noChangeAspect="1"/>
+          </p:cNvPicPr>
+          <p:nvPr/>
+        </p:nvPicPr>
+        <p:blipFill>
+          <a:blip r:embed="rId4"/>
+          <a:stretch>
+            <a:fillRect/>
+          </a:stretch>
+        </p:blipFill>
+        <p:spPr>
+          <a:xfrm>
+            <a:off x="7351507" y="5214058"/>
+            <a:ext cx="4479960" cy="1447208"/>
           </a:xfrm>
           <a:prstGeom prst="rect">
             <a:avLst/>
@@ -8561,8 +8361,8 @@
         </p:nvSpPr>
         <p:spPr>
           <a:xfrm>
-            <a:off x="838199" y="1825625"/>
-            <a:ext cx="10809303" cy="4667250"/>
+            <a:off x="838200" y="1825624"/>
+            <a:ext cx="10809303" cy="4812681"/>
           </a:xfrm>
         </p:spPr>
         <p:txBody>
@@ -8839,13 +8639,28 @@
               </a:rPr>
               <a:t>true if the drone inventory is not full.</a:t>
             </a:r>
-            <a:endParaRPr lang="en-US" sz="2000" b="1" dirty="0">
-              <a:solidFill>
-                <a:srgbClr val="000000"/>
-              </a:solidFill>
-              <a:latin typeface="Calibri" panose="020F0502020204030204" pitchFamily="34" charset="0"/>
-              <a:cs typeface="Calibri" panose="020F0502020204030204" pitchFamily="34" charset="0"/>
-            </a:endParaRPr>
+          </a:p>
+          <a:p>
+            <a:r>
+              <a:rPr lang="en-US" dirty="0">
+                <a:solidFill>
+                  <a:srgbClr val="000000"/>
+                </a:solidFill>
+                <a:latin typeface="Calibri" panose="020F0502020204030204" pitchFamily="34" charset="0"/>
+                <a:cs typeface="Calibri" panose="020F0502020204030204" pitchFamily="34" charset="0"/>
+              </a:rPr>
+              <a:t>Stay-</a:t>
+            </a:r>
+            <a:r>
+              <a:rPr lang="en-US" sz="2400" dirty="0">
+                <a:solidFill>
+                  <a:srgbClr val="000000"/>
+                </a:solidFill>
+                <a:latin typeface="Calibri" panose="020F0502020204030204" pitchFamily="34" charset="0"/>
+                <a:cs typeface="Calibri" panose="020F0502020204030204" pitchFamily="34" charset="0"/>
+              </a:rPr>
+              <a:t> drone stay at the same coordinates </a:t>
+            </a:r>
           </a:p>
         </p:txBody>
       </p:sp>
@@ -8884,7 +8699,7 @@
           <p:cNvPr id="2" name="Title 1">
             <a:extLst>
               <a:ext uri="{FF2B5EF4-FFF2-40B4-BE49-F238E27FC236}">
-                <a16:creationId xmlns:a16="http://schemas.microsoft.com/office/drawing/2014/main" id="{CB558DFF-ECA9-42AD-878A-6781A4E9F45D}"/>
+                <a16:creationId xmlns:a16="http://schemas.microsoft.com/office/drawing/2014/main" id="{BB2F8350-72CF-4EB7-A86E-94C6A069DBB8}"/>
               </a:ext>
             </a:extLst>
           </p:cNvPr>
@@ -8895,21 +8710,26 @@
             <p:ph type="title"/>
           </p:nvPr>
         </p:nvSpPr>
-        <p:spPr/>
+        <p:spPr>
+          <a:xfrm>
+            <a:off x="642889" y="365125"/>
+            <a:ext cx="10515600" cy="1325563"/>
+          </a:xfrm>
+        </p:spPr>
         <p:txBody>
           <a:bodyPr/>
           <a:lstStyle/>
           <a:p>
             <a:r>
               <a:rPr lang="en-US" dirty="0"/>
-              <a:t>Spectra Specification – Basic Counters</a:t>
+              <a:t>Spectra Specification – Guarantees</a:t>
             </a:r>
             <a:br>
               <a:rPr lang="en-US" dirty="0"/>
             </a:br>
             <a:r>
-              <a:rPr lang="en-US" sz="2800" dirty="0"/>
-              <a:t>(Inventory system)</a:t>
+              <a:rPr lang="en-US" sz="2400" dirty="0"/>
+              <a:t>(drone movement &amp; pick-up mechanism)</a:t>
             </a:r>
             <a:endParaRPr lang="en-IL" dirty="0"/>
           </a:p>
@@ -8920,7 +8740,7 @@
           <p:cNvPr id="3" name="Content Placeholder 2">
             <a:extLst>
               <a:ext uri="{FF2B5EF4-FFF2-40B4-BE49-F238E27FC236}">
-                <a16:creationId xmlns:a16="http://schemas.microsoft.com/office/drawing/2014/main" id="{409B688F-9E82-4F15-BA12-192A3ACCA58F}"/>
+                <a16:creationId xmlns:a16="http://schemas.microsoft.com/office/drawing/2014/main" id="{681C40E8-83DA-4391-A73C-754C408144E1}"/>
               </a:ext>
             </a:extLst>
           </p:cNvPr>
@@ -8931,64 +8751,158 @@
             <p:ph idx="1"/>
           </p:nvPr>
         </p:nvSpPr>
-        <p:spPr/>
-        <p:txBody>
-          <a:bodyPr/>
+        <p:spPr>
+          <a:xfrm>
+            <a:off x="642889" y="1725996"/>
+            <a:ext cx="10995734" cy="5132003"/>
+          </a:xfrm>
+        </p:spPr>
+        <p:txBody>
+          <a:bodyPr>
+            <a:noAutofit/>
+          </a:bodyPr>
           <a:lstStyle/>
           <a:p>
             <a:r>
-              <a:rPr lang="en-US" dirty="0"/>
-              <a:t>7 counters:</a:t>
+              <a:rPr lang="en-US" sz="2600" dirty="0"/>
+              <a:t>Drone movement:</a:t>
             </a:r>
           </a:p>
           <a:p>
             <a:pPr lvl="1"/>
             <a:r>
-              <a:rPr lang="en-US" dirty="0"/>
-              <a:t>4 counters (one for each house): count packages on the drone for each house destination.</a:t>
+              <a:rPr lang="en-US" sz="2200" dirty="0">
+                <a:latin typeface="Calibri" panose="020F0502020204030204" pitchFamily="34" charset="0"/>
+                <a:cs typeface="Calibri" panose="020F0502020204030204" pitchFamily="34" charset="0"/>
+              </a:rPr>
+              <a:t>Drone can move up to one step both row and column directions.</a:t>
             </a:r>
           </a:p>
           <a:p>
             <a:pPr lvl="1"/>
             <a:r>
-              <a:rPr lang="he-IL" sz="2000" dirty="0"/>
-              <a:t>2</a:t>
-            </a:r>
-            <a:r>
-              <a:rPr lang="en-US" sz="2000" dirty="0"/>
-              <a:t> </a:t>
-            </a:r>
-            <a:r>
-              <a:rPr lang="en-US" dirty="0"/>
-              <a:t>counters : count how many packages/envelopes on the drone are destined to warehouse.</a:t>
-            </a:r>
+              <a:rPr lang="en-US" sz="2200" dirty="0">
+                <a:latin typeface="Calibri" panose="020F0502020204030204" pitchFamily="34" charset="0"/>
+                <a:cs typeface="Calibri" panose="020F0502020204030204" pitchFamily="34" charset="0"/>
+              </a:rPr>
+              <a:t>Base on the predicates:</a:t>
+            </a:r>
+            <a:br>
+              <a:rPr lang="en-US" sz="2200" dirty="0">
+                <a:latin typeface="Calibri" panose="020F0502020204030204" pitchFamily="34" charset="0"/>
+                <a:cs typeface="Calibri" panose="020F0502020204030204" pitchFamily="34" charset="0"/>
+              </a:rPr>
+            </a:br>
+            <a:br>
+              <a:rPr lang="en-US" sz="2200" dirty="0">
+                <a:latin typeface="Calibri" panose="020F0502020204030204" pitchFamily="34" charset="0"/>
+                <a:cs typeface="Calibri" panose="020F0502020204030204" pitchFamily="34" charset="0"/>
+              </a:rPr>
+            </a:br>
+            <a:endParaRPr lang="he-IL" sz="2200" dirty="0">
+              <a:latin typeface="Calibri" panose="020F0502020204030204" pitchFamily="34" charset="0"/>
+              <a:cs typeface="Calibri" panose="020F0502020204030204" pitchFamily="34" charset="0"/>
+            </a:endParaRPr>
           </a:p>
           <a:p>
             <a:pPr lvl="1"/>
             <a:r>
-              <a:rPr lang="en-US" dirty="0"/>
-              <a:t>1 counter : count total number of packages on the drone.</a:t>
-            </a:r>
-          </a:p>
-          <a:p>
-            <a:r>
-              <a:rPr lang="en-US" dirty="0"/>
-              <a:t>Examples:</a:t>
-            </a:r>
-            <a:endParaRPr lang="en-IL" dirty="0"/>
-          </a:p>
-          <a:p>
-            <a:pPr lvl="2"/>
-            <a:endParaRPr lang="en-IL" dirty="0"/>
+              <a:rPr lang="en-US" sz="2200" dirty="0">
+                <a:latin typeface="Calibri" panose="020F0502020204030204" pitchFamily="34" charset="0"/>
+                <a:cs typeface="Calibri" panose="020F0502020204030204" pitchFamily="34" charset="0"/>
+              </a:rPr>
+              <a:t>Drone can not move when it has nothing to do</a:t>
+            </a:r>
+            <a:br>
+              <a:rPr lang="en-US" sz="2100" dirty="0">
+                <a:latin typeface="Calibri" panose="020F0502020204030204" pitchFamily="34" charset="0"/>
+                <a:cs typeface="Calibri" panose="020F0502020204030204" pitchFamily="34" charset="0"/>
+              </a:rPr>
+            </a:br>
+            <a:endParaRPr lang="en-US" sz="2400" dirty="0"/>
+          </a:p>
+          <a:p>
+            <a:r>
+              <a:rPr lang="en-US" sz="2600" dirty="0"/>
+              <a:t>Pick up mechanism:</a:t>
+            </a:r>
+          </a:p>
+          <a:p>
+            <a:pPr lvl="1"/>
+            <a:r>
+              <a:rPr lang="en-US" sz="2200" dirty="0"/>
+              <a:t>Use pattern </a:t>
+            </a:r>
+            <a:r>
+              <a:rPr lang="en-US" sz="2200" dirty="0" err="1"/>
+              <a:t>pResponseToS</a:t>
+            </a:r>
+            <a:r>
+              <a:rPr lang="en-US" sz="2200" dirty="0"/>
+              <a:t> - every waiting request must be picked up eventually.</a:t>
+            </a:r>
+          </a:p>
+          <a:p>
+            <a:pPr marL="457200" lvl="1" indent="0">
+              <a:buNone/>
+            </a:pPr>
+            <a:endParaRPr lang="en-US" sz="2200" dirty="0"/>
+          </a:p>
+          <a:p>
+            <a:pPr lvl="1"/>
+            <a:r>
+              <a:rPr lang="en-US" sz="2200" dirty="0"/>
+              <a:t>Pick up can be made only if there is room on the drone, the drone at location,</a:t>
+            </a:r>
+          </a:p>
+          <a:p>
+            <a:pPr marL="457200" lvl="1" indent="0">
+              <a:buNone/>
+            </a:pPr>
+            <a:r>
+              <a:rPr lang="en-US" sz="2200" dirty="0"/>
+              <a:t>   and there is a waiting request.</a:t>
+            </a:r>
+            <a:endParaRPr lang="he-IL" sz="2200" dirty="0"/>
+          </a:p>
+          <a:p>
+            <a:pPr marL="457200" lvl="1" indent="0">
+              <a:buNone/>
+            </a:pPr>
+            <a:endParaRPr lang="he-IL" dirty="0"/>
+          </a:p>
+          <a:p>
+            <a:pPr marL="457200" lvl="1" indent="0">
+              <a:buNone/>
+            </a:pPr>
+            <a:endParaRPr lang="en-US" dirty="0"/>
+          </a:p>
+          <a:p>
+            <a:pPr marL="457200" lvl="1" indent="0">
+              <a:buNone/>
+            </a:pPr>
+            <a:endParaRPr lang="en-US" dirty="0"/>
+          </a:p>
+          <a:p>
+            <a:pPr marL="457200" lvl="1" indent="0">
+              <a:buNone/>
+            </a:pPr>
+            <a:br>
+              <a:rPr lang="en-US" dirty="0"/>
+            </a:br>
+            <a:br>
+              <a:rPr lang="en-US" dirty="0"/>
+            </a:br>
+            <a:endParaRPr lang="en-US" dirty="0"/>
           </a:p>
         </p:txBody>
       </p:sp>
       <p:pic>
         <p:nvPicPr>
-          <p:cNvPr id="5" name="Picture 4">
-            <a:extLst>
-              <a:ext uri="{FF2B5EF4-FFF2-40B4-BE49-F238E27FC236}">
-                <a16:creationId xmlns:a16="http://schemas.microsoft.com/office/drawing/2014/main" id="{7EC7900B-AA5A-4557-87BD-0BED6F9EF37D}"/>
+          <p:cNvPr id="11" name="Picture 10">
+            <a:extLst>
+              <a:ext uri="{FF2B5EF4-FFF2-40B4-BE49-F238E27FC236}">
+                <a16:creationId xmlns:a16="http://schemas.microsoft.com/office/drawing/2014/main" id="{071A7E68-D0FD-480A-9097-E7C347A9F528}"/>
               </a:ext>
             </a:extLst>
           </p:cNvPr>
@@ -9005,8 +8919,8 @@
         </p:blipFill>
         <p:spPr>
           <a:xfrm>
-            <a:off x="1141874" y="4690475"/>
-            <a:ext cx="5434301" cy="1651239"/>
+            <a:off x="7266353" y="2497816"/>
+            <a:ext cx="4715850" cy="974264"/>
           </a:xfrm>
           <a:prstGeom prst="rect">
             <a:avLst/>
@@ -9015,10 +8929,10 @@
       </p:pic>
       <p:pic>
         <p:nvPicPr>
-          <p:cNvPr id="7" name="Picture 6">
-            <a:extLst>
-              <a:ext uri="{FF2B5EF4-FFF2-40B4-BE49-F238E27FC236}">
-                <a16:creationId xmlns:a16="http://schemas.microsoft.com/office/drawing/2014/main" id="{7B22A3DF-D932-4CC6-B13F-298F52EA3CD8}"/>
+          <p:cNvPr id="13" name="Picture 12">
+            <a:extLst>
+              <a:ext uri="{FF2B5EF4-FFF2-40B4-BE49-F238E27FC236}">
+                <a16:creationId xmlns:a16="http://schemas.microsoft.com/office/drawing/2014/main" id="{707DE603-2EDF-45E3-90C3-C26D68809675}"/>
               </a:ext>
             </a:extLst>
           </p:cNvPr>
@@ -9035,8 +8949,98 @@
         </p:blipFill>
         <p:spPr>
           <a:xfrm>
-            <a:off x="6576175" y="4625932"/>
-            <a:ext cx="5253816" cy="1730223"/>
+            <a:off x="4285125" y="2523018"/>
+            <a:ext cx="2887571" cy="949062"/>
+          </a:xfrm>
+          <a:prstGeom prst="rect">
+            <a:avLst/>
+          </a:prstGeom>
+        </p:spPr>
+      </p:pic>
+      <p:pic>
+        <p:nvPicPr>
+          <p:cNvPr id="6" name="Picture 5">
+            <a:extLst>
+              <a:ext uri="{FF2B5EF4-FFF2-40B4-BE49-F238E27FC236}">
+                <a16:creationId xmlns:a16="http://schemas.microsoft.com/office/drawing/2014/main" id="{ED5B8095-6FB5-4D8A-ABE1-80DD93DFFD0A}"/>
+              </a:ext>
+            </a:extLst>
+          </p:cNvPr>
+          <p:cNvPicPr>
+            <a:picLocks noChangeAspect="1"/>
+          </p:cNvPicPr>
+          <p:nvPr/>
+        </p:nvPicPr>
+        <p:blipFill>
+          <a:blip r:embed="rId4"/>
+          <a:stretch>
+            <a:fillRect/>
+          </a:stretch>
+        </p:blipFill>
+        <p:spPr>
+          <a:xfrm>
+            <a:off x="1233398" y="3928134"/>
+            <a:ext cx="10678680" cy="236587"/>
+          </a:xfrm>
+          <a:prstGeom prst="rect">
+            <a:avLst/>
+          </a:prstGeom>
+        </p:spPr>
+      </p:pic>
+      <p:pic>
+        <p:nvPicPr>
+          <p:cNvPr id="8" name="Picture 7">
+            <a:extLst>
+              <a:ext uri="{FF2B5EF4-FFF2-40B4-BE49-F238E27FC236}">
+                <a16:creationId xmlns:a16="http://schemas.microsoft.com/office/drawing/2014/main" id="{24D4D028-1CC7-4573-AD6D-3E3CAD35C93E}"/>
+              </a:ext>
+            </a:extLst>
+          </p:cNvPr>
+          <p:cNvPicPr>
+            <a:picLocks noChangeAspect="1"/>
+          </p:cNvPicPr>
+          <p:nvPr/>
+        </p:nvPicPr>
+        <p:blipFill>
+          <a:blip r:embed="rId5"/>
+          <a:stretch>
+            <a:fillRect/>
+          </a:stretch>
+        </p:blipFill>
+        <p:spPr>
+          <a:xfrm>
+            <a:off x="1233398" y="5093950"/>
+            <a:ext cx="8967196" cy="259168"/>
+          </a:xfrm>
+          <a:prstGeom prst="rect">
+            <a:avLst/>
+          </a:prstGeom>
+        </p:spPr>
+      </p:pic>
+      <p:pic>
+        <p:nvPicPr>
+          <p:cNvPr id="12" name="Picture 11">
+            <a:extLst>
+              <a:ext uri="{FF2B5EF4-FFF2-40B4-BE49-F238E27FC236}">
+                <a16:creationId xmlns:a16="http://schemas.microsoft.com/office/drawing/2014/main" id="{44ACC105-FF66-47A2-B1B7-068B6AACF94F}"/>
+              </a:ext>
+            </a:extLst>
+          </p:cNvPr>
+          <p:cNvPicPr>
+            <a:picLocks noChangeAspect="1"/>
+          </p:cNvPicPr>
+          <p:nvPr/>
+        </p:nvPicPr>
+        <p:blipFill>
+          <a:blip r:embed="rId6"/>
+          <a:stretch>
+            <a:fillRect/>
+          </a:stretch>
+        </p:blipFill>
+        <p:spPr>
+          <a:xfrm>
+            <a:off x="1233398" y="6288958"/>
+            <a:ext cx="10818929" cy="203917"/>
           </a:xfrm>
           <a:prstGeom prst="rect">
             <a:avLst/>
@@ -9046,7 +9050,7 @@
     </p:spTree>
     <p:extLst>
       <p:ext uri="{BB962C8B-B14F-4D97-AF65-F5344CB8AC3E}">
-        <p14:creationId xmlns:p14="http://schemas.microsoft.com/office/powerpoint/2010/main" val="2853315183"/>
+        <p14:creationId xmlns:p14="http://schemas.microsoft.com/office/powerpoint/2010/main" val="2043527638"/>
       </p:ext>
     </p:extLst>
   </p:cSld>
@@ -9078,7 +9082,7 @@
           <p:cNvPr id="2" name="Title 1">
             <a:extLst>
               <a:ext uri="{FF2B5EF4-FFF2-40B4-BE49-F238E27FC236}">
-                <a16:creationId xmlns:a16="http://schemas.microsoft.com/office/drawing/2014/main" id="{BB2F8350-72CF-4EB7-A86E-94C6A069DBB8}"/>
+                <a16:creationId xmlns:a16="http://schemas.microsoft.com/office/drawing/2014/main" id="{0B75B57F-1D6D-4DD0-A7AE-67B6178D6C02}"/>
               </a:ext>
             </a:extLst>
           </p:cNvPr>
@@ -9089,12 +9093,7 @@
             <p:ph type="title"/>
           </p:nvPr>
         </p:nvSpPr>
-        <p:spPr>
-          <a:xfrm>
-            <a:off x="642889" y="365125"/>
-            <a:ext cx="10515600" cy="1325563"/>
-          </a:xfrm>
-        </p:spPr>
+        <p:spPr/>
         <p:txBody>
           <a:bodyPr/>
           <a:lstStyle/>
@@ -9108,7 +9107,7 @@
             </a:br>
             <a:r>
               <a:rPr lang="en-US" sz="2400" dirty="0"/>
-              <a:t>(drone movement &amp; pick-up mechanism)</a:t>
+              <a:t>(drop-off mechanism)</a:t>
             </a:r>
             <a:endParaRPr lang="en-IL" dirty="0"/>
           </a:p>
@@ -9119,7 +9118,7 @@
           <p:cNvPr id="3" name="Content Placeholder 2">
             <a:extLst>
               <a:ext uri="{FF2B5EF4-FFF2-40B4-BE49-F238E27FC236}">
-                <a16:creationId xmlns:a16="http://schemas.microsoft.com/office/drawing/2014/main" id="{681C40E8-83DA-4391-A73C-754C408144E1}"/>
+                <a16:creationId xmlns:a16="http://schemas.microsoft.com/office/drawing/2014/main" id="{99A14C9A-0C10-4321-AA2C-4097CA1B2752}"/>
               </a:ext>
             </a:extLst>
           </p:cNvPr>
@@ -9130,60 +9129,14 @@
             <p:ph idx="1"/>
           </p:nvPr>
         </p:nvSpPr>
-        <p:spPr>
-          <a:xfrm>
-            <a:off x="642889" y="1725997"/>
-            <a:ext cx="10995734" cy="4810488"/>
-          </a:xfrm>
-        </p:spPr>
-        <p:txBody>
-          <a:bodyPr>
-            <a:noAutofit/>
-          </a:bodyPr>
+        <p:spPr/>
+        <p:txBody>
+          <a:bodyPr/>
           <a:lstStyle/>
           <a:p>
             <a:r>
-              <a:rPr lang="en-US" dirty="0"/>
-              <a:t>Drone movement:</a:t>
-            </a:r>
-          </a:p>
-          <a:p>
-            <a:pPr lvl="1"/>
-            <a:r>
-              <a:rPr lang="en-US" dirty="0">
-                <a:latin typeface="Calibri" panose="020F0502020204030204" pitchFamily="34" charset="0"/>
-                <a:cs typeface="Calibri" panose="020F0502020204030204" pitchFamily="34" charset="0"/>
-              </a:rPr>
-              <a:t>Drone can move up to one step both row and column directions.</a:t>
-            </a:r>
-          </a:p>
-          <a:p>
-            <a:pPr lvl="1"/>
-            <a:r>
-              <a:rPr lang="en-US" dirty="0">
-                <a:latin typeface="Calibri" panose="020F0502020204030204" pitchFamily="34" charset="0"/>
-                <a:cs typeface="Calibri" panose="020F0502020204030204" pitchFamily="34" charset="0"/>
-              </a:rPr>
-              <a:t>Base on the predicates:</a:t>
-            </a:r>
-            <a:endParaRPr lang="en-US" dirty="0"/>
-          </a:p>
-          <a:p>
-            <a:pPr marL="0" indent="0">
-              <a:buNone/>
-            </a:pPr>
-            <a:endParaRPr lang="en-US" sz="2400" dirty="0"/>
-          </a:p>
-          <a:p>
-            <a:pPr marL="0" indent="0">
-              <a:buNone/>
-            </a:pPr>
-            <a:endParaRPr lang="en-US" sz="2400" dirty="0"/>
-          </a:p>
-          <a:p>
-            <a:r>
-              <a:rPr lang="en-US" dirty="0"/>
-              <a:t>Pick up mechanism:</a:t>
+              <a:rPr lang="en-US" sz="2600" dirty="0"/>
+              <a:t>Drop off mechanism:</a:t>
             </a:r>
           </a:p>
           <a:p>
@@ -9198,7 +9151,7 @@
             </a:r>
             <a:r>
               <a:rPr lang="en-US" dirty="0"/>
-              <a:t> - every waiting request must be picked up eventually.</a:t>
+              <a:t> - if the drone has package/envelope to specific location, it eventually be there.</a:t>
             </a:r>
           </a:p>
           <a:p>
@@ -9211,24 +9164,16 @@
             <a:pPr lvl="1"/>
             <a:r>
               <a:rPr lang="en-US" dirty="0"/>
-              <a:t>Pick up can be made only if there is room on the drone, the drone at location,</a:t>
-            </a:r>
-          </a:p>
-          <a:p>
-            <a:pPr marL="457200" lvl="1" indent="0">
-              <a:buNone/>
-            </a:pPr>
-            <a:r>
-              <a:rPr lang="en-US" dirty="0"/>
-              <a:t>   and there is a waiting request.</a:t>
-            </a:r>
-            <a:endParaRPr lang="he-IL" dirty="0"/>
-          </a:p>
-          <a:p>
-            <a:pPr marL="457200" lvl="1" indent="0">
-              <a:buNone/>
-            </a:pPr>
-            <a:endParaRPr lang="he-IL" dirty="0"/>
+              <a:t>Drop off </a:t>
+            </a:r>
+            <a:r>
+              <a:rPr lang="en-US" dirty="0" err="1"/>
+              <a:t>iff</a:t>
+            </a:r>
+            <a:r>
+              <a:rPr lang="en-US" dirty="0"/>
+              <a:t> the drone is at the location and its capacity to this location is not empty.</a:t>
+            </a:r>
           </a:p>
           <a:p>
             <a:pPr marL="457200" lvl="1" indent="0">
@@ -9237,22 +9182,25 @@
             <a:endParaRPr lang="en-US" dirty="0"/>
           </a:p>
           <a:p>
+            <a:pPr lvl="1"/>
+            <a:r>
+              <a:rPr lang="en-US" dirty="0"/>
+              <a:t>If drone has package/envelope to specific location and it is in the same location, it will not move until drop off.</a:t>
+            </a:r>
+            <a:endParaRPr lang="he-IL" dirty="0"/>
+          </a:p>
+          <a:p>
+            <a:pPr lvl="1"/>
+            <a:endParaRPr lang="en-US" dirty="0"/>
+          </a:p>
+          <a:p>
             <a:pPr marL="457200" lvl="1" indent="0">
               <a:buNone/>
             </a:pPr>
-            <a:endParaRPr lang="en-US" dirty="0"/>
-          </a:p>
-          <a:p>
-            <a:pPr marL="457200" lvl="1" indent="0">
-              <a:buNone/>
-            </a:pPr>
-            <a:br>
-              <a:rPr lang="en-US" dirty="0"/>
-            </a:br>
-            <a:br>
-              <a:rPr lang="en-US" dirty="0"/>
-            </a:br>
-            <a:endParaRPr lang="en-US" dirty="0"/>
+            <a:endParaRPr lang="en-IL" dirty="0"/>
+          </a:p>
+          <a:p>
+            <a:endParaRPr lang="en-IL" dirty="0"/>
           </a:p>
         </p:txBody>
       </p:sp>
@@ -9261,7 +9209,7 @@
           <p:cNvPr id="5" name="Picture 4">
             <a:extLst>
               <a:ext uri="{FF2B5EF4-FFF2-40B4-BE49-F238E27FC236}">
-                <a16:creationId xmlns:a16="http://schemas.microsoft.com/office/drawing/2014/main" id="{D5C4A4FD-27F0-4CBE-BA6B-FD0FD8926E7F}"/>
+                <a16:creationId xmlns:a16="http://schemas.microsoft.com/office/drawing/2014/main" id="{322BF699-2478-4D3C-9D58-A474F976AC53}"/>
               </a:ext>
             </a:extLst>
           </p:cNvPr>
@@ -9278,8 +9226,8 @@
         </p:blipFill>
         <p:spPr>
           <a:xfrm>
-            <a:off x="2061183" y="4869007"/>
-            <a:ext cx="8688959" cy="262904"/>
+            <a:off x="1523544" y="2977815"/>
+            <a:ext cx="7447035" cy="340826"/>
           </a:xfrm>
           <a:prstGeom prst="rect">
             <a:avLst/>
@@ -9291,7 +9239,7 @@
           <p:cNvPr id="9" name="Picture 8">
             <a:extLst>
               <a:ext uri="{FF2B5EF4-FFF2-40B4-BE49-F238E27FC236}">
-                <a16:creationId xmlns:a16="http://schemas.microsoft.com/office/drawing/2014/main" id="{9344B377-98EF-41AC-9494-BA8E9ECAF703}"/>
+                <a16:creationId xmlns:a16="http://schemas.microsoft.com/office/drawing/2014/main" id="{E53706AA-C4F6-4940-85D4-DB7E1059A8B0}"/>
               </a:ext>
             </a:extLst>
           </p:cNvPr>
@@ -9308,8 +9256,8 @@
         </p:blipFill>
         <p:spPr>
           <a:xfrm>
-            <a:off x="2061183" y="6029019"/>
-            <a:ext cx="9696157" cy="532606"/>
+            <a:off x="1523543" y="5266272"/>
+            <a:ext cx="6359215" cy="391801"/>
           </a:xfrm>
           <a:prstGeom prst="rect">
             <a:avLst/>
@@ -9318,10 +9266,10 @@
       </p:pic>
       <p:pic>
         <p:nvPicPr>
-          <p:cNvPr id="11" name="Picture 10">
-            <a:extLst>
-              <a:ext uri="{FF2B5EF4-FFF2-40B4-BE49-F238E27FC236}">
-                <a16:creationId xmlns:a16="http://schemas.microsoft.com/office/drawing/2014/main" id="{071A7E68-D0FD-480A-9097-E7C347A9F528}"/>
+          <p:cNvPr id="6" name="Picture 5">
+            <a:extLst>
+              <a:ext uri="{FF2B5EF4-FFF2-40B4-BE49-F238E27FC236}">
+                <a16:creationId xmlns:a16="http://schemas.microsoft.com/office/drawing/2014/main" id="{A99D7A36-850C-491D-B3D3-6200FE1EA4B0}"/>
               </a:ext>
             </a:extLst>
           </p:cNvPr>
@@ -9338,38 +9286,8 @@
         </p:blipFill>
         <p:spPr>
           <a:xfrm>
-            <a:off x="6537601" y="2852154"/>
-            <a:ext cx="5459087" cy="1127811"/>
-          </a:xfrm>
-          <a:prstGeom prst="rect">
-            <a:avLst/>
-          </a:prstGeom>
-        </p:spPr>
-      </p:pic>
-      <p:pic>
-        <p:nvPicPr>
-          <p:cNvPr id="13" name="Picture 12">
-            <a:extLst>
-              <a:ext uri="{FF2B5EF4-FFF2-40B4-BE49-F238E27FC236}">
-                <a16:creationId xmlns:a16="http://schemas.microsoft.com/office/drawing/2014/main" id="{707DE603-2EDF-45E3-90C3-C26D68809675}"/>
-              </a:ext>
-            </a:extLst>
-          </p:cNvPr>
-          <p:cNvPicPr>
-            <a:picLocks noChangeAspect="1"/>
-          </p:cNvPicPr>
-          <p:nvPr/>
-        </p:nvPicPr>
-        <p:blipFill>
-          <a:blip r:embed="rId5"/>
-          <a:stretch>
-            <a:fillRect/>
-          </a:stretch>
-        </p:blipFill>
-        <p:spPr>
-          <a:xfrm>
-            <a:off x="3367114" y="2913455"/>
-            <a:ext cx="3170488" cy="1042049"/>
+            <a:off x="1523543" y="4132613"/>
+            <a:ext cx="9460344" cy="250343"/>
           </a:xfrm>
           <a:prstGeom prst="rect">
             <a:avLst/>
@@ -9379,7 +9297,7 @@
     </p:spTree>
     <p:extLst>
       <p:ext uri="{BB962C8B-B14F-4D97-AF65-F5344CB8AC3E}">
-        <p14:creationId xmlns:p14="http://schemas.microsoft.com/office/powerpoint/2010/main" val="2043527638"/>
+        <p14:creationId xmlns:p14="http://schemas.microsoft.com/office/powerpoint/2010/main" val="2467166216"/>
       </p:ext>
     </p:extLst>
   </p:cSld>
@@ -9411,7 +9329,7 @@
           <p:cNvPr id="2" name="Title 1">
             <a:extLst>
               <a:ext uri="{FF2B5EF4-FFF2-40B4-BE49-F238E27FC236}">
-                <a16:creationId xmlns:a16="http://schemas.microsoft.com/office/drawing/2014/main" id="{0B75B57F-1D6D-4DD0-A7AE-67B6178D6C02}"/>
+                <a16:creationId xmlns:a16="http://schemas.microsoft.com/office/drawing/2014/main" id="{92C400F2-1975-4EDC-88C0-6B9625BF5387}"/>
               </a:ext>
             </a:extLst>
           </p:cNvPr>
@@ -9429,14 +9347,7 @@
           <a:p>
             <a:r>
               <a:rPr lang="en-US" dirty="0"/>
-              <a:t>Spectra Specification – Guarantees</a:t>
-            </a:r>
-            <a:br>
-              <a:rPr lang="en-US" dirty="0"/>
-            </a:br>
-            <a:r>
-              <a:rPr lang="en-US" sz="2400" dirty="0"/>
-              <a:t>(drop-off mechanism)</a:t>
+              <a:t>Spectra Specification – Priority Mode</a:t>
             </a:r>
             <a:endParaRPr lang="en-IL" dirty="0"/>
           </a:p>
@@ -9447,7 +9358,7 @@
           <p:cNvPr id="3" name="Content Placeholder 2">
             <a:extLst>
               <a:ext uri="{FF2B5EF4-FFF2-40B4-BE49-F238E27FC236}">
-                <a16:creationId xmlns:a16="http://schemas.microsoft.com/office/drawing/2014/main" id="{99A14C9A-0C10-4321-AA2C-4097CA1B2752}"/>
+                <a16:creationId xmlns:a16="http://schemas.microsoft.com/office/drawing/2014/main" id="{1BAF9962-D2AC-4E93-9753-C37D2D869774}"/>
               </a:ext>
             </a:extLst>
           </p:cNvPr>
@@ -9458,29 +9369,90 @@
             <p:ph idx="1"/>
           </p:nvPr>
         </p:nvSpPr>
-        <p:spPr/>
-        <p:txBody>
-          <a:bodyPr/>
+        <p:spPr>
+          <a:xfrm>
+            <a:off x="838200" y="1825624"/>
+            <a:ext cx="10515600" cy="4525071"/>
+          </a:xfrm>
+        </p:spPr>
+        <p:txBody>
+          <a:bodyPr>
+            <a:normAutofit/>
+          </a:bodyPr>
           <a:lstStyle/>
           <a:p>
             <a:r>
-              <a:rPr lang="en-US" sz="2600" dirty="0"/>
-              <a:t>Drop off mechanism:</a:t>
+              <a:rPr lang="en-US" dirty="0"/>
+              <a:t>Environment &amp; assumption:</a:t>
             </a:r>
           </a:p>
           <a:p>
             <a:pPr lvl="1"/>
             <a:r>
-              <a:rPr lang="en-US" dirty="0"/>
-              <a:t>Use pattern </a:t>
-            </a:r>
-            <a:r>
               <a:rPr lang="en-US" dirty="0" err="1"/>
-              <a:t>pResponseToS</a:t>
-            </a:r>
-            <a:r>
-              <a:rPr lang="en-US" dirty="0"/>
-              <a:t> - if the drone has package/envelope to specific location, it eventually be there.</a:t>
+              <a:t>priorityMode</a:t>
+            </a:r>
+            <a:r>
+              <a:rPr lang="en-US" dirty="0"/>
+              <a:t> initialized to </a:t>
+            </a:r>
+            <a:r>
+              <a:rPr lang="en-US" i="1" dirty="0"/>
+              <a:t>false</a:t>
+            </a:r>
+          </a:p>
+          <a:p>
+            <a:pPr lvl="1"/>
+            <a:r>
+              <a:rPr lang="en-US" dirty="0"/>
+              <a:t>When </a:t>
+            </a:r>
+            <a:r>
+              <a:rPr lang="en-US" i="1" dirty="0"/>
+              <a:t>true </a:t>
+            </a:r>
+            <a:r>
+              <a:rPr lang="en-US" dirty="0"/>
+              <a:t>- warehouse packages are prioritized for pick-up over house requests.</a:t>
+            </a:r>
+          </a:p>
+          <a:p>
+            <a:pPr lvl="2">
+              <a:buFont typeface="Wingdings" panose="05000000000000000000" pitchFamily="2" charset="2"/>
+              <a:buChar char="§"/>
+            </a:pPr>
+            <a:r>
+              <a:rPr lang="en-US" dirty="0"/>
+              <a:t>Drone can pick up only up to </a:t>
+            </a:r>
+            <a:r>
+              <a:rPr lang="en-US" dirty="0" err="1"/>
+              <a:t>priorityCap</a:t>
+            </a:r>
+            <a:r>
+              <a:rPr lang="en-US" dirty="0"/>
+              <a:t> # of packages before a warehouse package.</a:t>
+            </a:r>
+          </a:p>
+          <a:p>
+            <a:r>
+              <a:rPr lang="en-US" dirty="0"/>
+              <a:t>1 counter:</a:t>
+            </a:r>
+          </a:p>
+          <a:p>
+            <a:pPr lvl="1"/>
+            <a:r>
+              <a:rPr lang="en-US" dirty="0"/>
+              <a:t>Counts how many house packages were picked up while in priority mode, up to </a:t>
+            </a:r>
+            <a:r>
+              <a:rPr lang="en-US" dirty="0" err="1"/>
+              <a:t>priorityCap</a:t>
+            </a:r>
+            <a:r>
+              <a:rPr lang="en-US" dirty="0"/>
+              <a:t>.</a:t>
             </a:r>
           </a:p>
           <a:p>
@@ -9490,43 +9462,20 @@
             <a:endParaRPr lang="en-US" dirty="0"/>
           </a:p>
           <a:p>
+            <a:r>
+              <a:rPr lang="en-US" dirty="0"/>
+              <a:t>1 guarantee:</a:t>
+            </a:r>
+          </a:p>
+          <a:p>
             <a:pPr lvl="1"/>
             <a:r>
               <a:rPr lang="en-US" dirty="0"/>
-              <a:t>Drop off </a:t>
-            </a:r>
-            <a:r>
-              <a:rPr lang="en-US" dirty="0" err="1"/>
-              <a:t>iff</a:t>
-            </a:r>
-            <a:r>
-              <a:rPr lang="en-US" dirty="0"/>
-              <a:t> the drone is at the location and its capacity to this location is not empty.</a:t>
-            </a:r>
-          </a:p>
-          <a:p>
-            <a:pPr marL="457200" lvl="1" indent="0">
-              <a:buNone/>
-            </a:pPr>
+              <a:t>By default, only one request can be picked up before priority request.</a:t>
+            </a:r>
+          </a:p>
+          <a:p>
             <a:endParaRPr lang="en-US" dirty="0"/>
-          </a:p>
-          <a:p>
-            <a:pPr lvl="1"/>
-            <a:r>
-              <a:rPr lang="en-US" dirty="0"/>
-              <a:t>If drone has package/envelope to specific location and it is in the same location, it will not move until drop off.</a:t>
-            </a:r>
-            <a:endParaRPr lang="he-IL" dirty="0"/>
-          </a:p>
-          <a:p>
-            <a:pPr lvl="1"/>
-            <a:endParaRPr lang="en-US" dirty="0"/>
-          </a:p>
-          <a:p>
-            <a:pPr marL="457200" lvl="1" indent="0">
-              <a:buNone/>
-            </a:pPr>
-            <a:endParaRPr lang="en-IL" dirty="0"/>
           </a:p>
           <a:p>
             <a:endParaRPr lang="en-IL" dirty="0"/>
@@ -9535,10 +9484,10 @@
       </p:sp>
       <p:pic>
         <p:nvPicPr>
-          <p:cNvPr id="5" name="Picture 4">
-            <a:extLst>
-              <a:ext uri="{FF2B5EF4-FFF2-40B4-BE49-F238E27FC236}">
-                <a16:creationId xmlns:a16="http://schemas.microsoft.com/office/drawing/2014/main" id="{322BF699-2478-4D3C-9D58-A474F976AC53}"/>
+          <p:cNvPr id="7" name="Picture 6">
+            <a:extLst>
+              <a:ext uri="{FF2B5EF4-FFF2-40B4-BE49-F238E27FC236}">
+                <a16:creationId xmlns:a16="http://schemas.microsoft.com/office/drawing/2014/main" id="{2DC828EA-596F-4707-81BA-E252ADF9FC66}"/>
               </a:ext>
             </a:extLst>
           </p:cNvPr>
@@ -9555,8 +9504,8 @@
         </p:blipFill>
         <p:spPr>
           <a:xfrm>
-            <a:off x="1523544" y="2977815"/>
-            <a:ext cx="7447035" cy="340826"/>
+            <a:off x="7520005" y="2040832"/>
+            <a:ext cx="3147456" cy="536030"/>
           </a:xfrm>
           <a:prstGeom prst="rect">
             <a:avLst/>
@@ -9565,10 +9514,10 @@
       </p:pic>
       <p:pic>
         <p:nvPicPr>
-          <p:cNvPr id="7" name="Picture 6">
-            <a:extLst>
-              <a:ext uri="{FF2B5EF4-FFF2-40B4-BE49-F238E27FC236}">
-                <a16:creationId xmlns:a16="http://schemas.microsoft.com/office/drawing/2014/main" id="{B6DD557B-7159-4BBE-8910-52388ED66B11}"/>
+          <p:cNvPr id="9" name="Picture 8">
+            <a:extLst>
+              <a:ext uri="{FF2B5EF4-FFF2-40B4-BE49-F238E27FC236}">
+                <a16:creationId xmlns:a16="http://schemas.microsoft.com/office/drawing/2014/main" id="{2032C2B3-ADBC-4AD8-923D-A500363F2C07}"/>
               </a:ext>
             </a:extLst>
           </p:cNvPr>
@@ -9585,8 +9534,8 @@
         </p:blipFill>
         <p:spPr>
           <a:xfrm>
-            <a:off x="1523544" y="4091888"/>
-            <a:ext cx="8960525" cy="310591"/>
+            <a:off x="1608398" y="6322459"/>
+            <a:ext cx="3294519" cy="326344"/>
           </a:xfrm>
           <a:prstGeom prst="rect">
             <a:avLst/>
@@ -9595,10 +9544,10 @@
       </p:pic>
       <p:pic>
         <p:nvPicPr>
-          <p:cNvPr id="9" name="Picture 8">
-            <a:extLst>
-              <a:ext uri="{FF2B5EF4-FFF2-40B4-BE49-F238E27FC236}">
-                <a16:creationId xmlns:a16="http://schemas.microsoft.com/office/drawing/2014/main" id="{E53706AA-C4F6-4940-85D4-DB7E1059A8B0}"/>
+          <p:cNvPr id="11" name="Picture 10">
+            <a:extLst>
+              <a:ext uri="{FF2B5EF4-FFF2-40B4-BE49-F238E27FC236}">
+                <a16:creationId xmlns:a16="http://schemas.microsoft.com/office/drawing/2014/main" id="{6BC0650D-DE54-4C3C-A7E9-5D1D084518D8}"/>
               </a:ext>
             </a:extLst>
           </p:cNvPr>
@@ -9615,8 +9564,8 @@
         </p:blipFill>
         <p:spPr>
           <a:xfrm>
-            <a:off x="1523543" y="5266272"/>
-            <a:ext cx="6359215" cy="391801"/>
+            <a:off x="5088516" y="4616414"/>
+            <a:ext cx="6763370" cy="1270968"/>
           </a:xfrm>
           <a:prstGeom prst="rect">
             <a:avLst/>
@@ -9626,7 +9575,7 @@
     </p:spTree>
     <p:extLst>
       <p:ext uri="{BB962C8B-B14F-4D97-AF65-F5344CB8AC3E}">
-        <p14:creationId xmlns:p14="http://schemas.microsoft.com/office/powerpoint/2010/main" val="2467166216"/>
+        <p14:creationId xmlns:p14="http://schemas.microsoft.com/office/powerpoint/2010/main" val="1167305130"/>
       </p:ext>
     </p:extLst>
   </p:cSld>

--- a/docs/final presentation.pptx
+++ b/docs/final presentation.pptx
@@ -17,13 +17,14 @@
     <p:sldId id="288" r:id="rId11"/>
     <p:sldId id="289" r:id="rId12"/>
     <p:sldId id="290" r:id="rId13"/>
-    <p:sldId id="274" r:id="rId14"/>
-    <p:sldId id="276" r:id="rId15"/>
-    <p:sldId id="277" r:id="rId16"/>
-    <p:sldId id="278" r:id="rId17"/>
-    <p:sldId id="275" r:id="rId18"/>
-    <p:sldId id="272" r:id="rId19"/>
-    <p:sldId id="279" r:id="rId20"/>
+    <p:sldId id="291" r:id="rId14"/>
+    <p:sldId id="274" r:id="rId15"/>
+    <p:sldId id="276" r:id="rId16"/>
+    <p:sldId id="277" r:id="rId17"/>
+    <p:sldId id="278" r:id="rId18"/>
+    <p:sldId id="275" r:id="rId19"/>
+    <p:sldId id="272" r:id="rId20"/>
+    <p:sldId id="279" r:id="rId21"/>
   </p:sldIdLst>
   <p:sldSz cx="12192000" cy="6858000"/>
   <p:notesSz cx="6858000" cy="9144000"/>
@@ -1232,7 +1233,7 @@
           <a:p>
             <a:fld id="{C9F7DFBD-92B2-44B7-952A-8C833C4590A2}" type="datetimeFigureOut">
               <a:rPr lang="en-IL" smtClean="0"/>
-              <a:t>05/01/2021</a:t>
+              <a:t>06/01/2021</a:t>
             </a:fld>
             <a:endParaRPr lang="en-IL"/>
           </a:p>
@@ -1432,7 +1433,7 @@
           <a:p>
             <a:fld id="{C9F7DFBD-92B2-44B7-952A-8C833C4590A2}" type="datetimeFigureOut">
               <a:rPr lang="en-IL" smtClean="0"/>
-              <a:t>05/01/2021</a:t>
+              <a:t>06/01/2021</a:t>
             </a:fld>
             <a:endParaRPr lang="en-IL"/>
           </a:p>
@@ -1642,7 +1643,7 @@
           <a:p>
             <a:fld id="{C9F7DFBD-92B2-44B7-952A-8C833C4590A2}" type="datetimeFigureOut">
               <a:rPr lang="en-IL" smtClean="0"/>
-              <a:t>05/01/2021</a:t>
+              <a:t>06/01/2021</a:t>
             </a:fld>
             <a:endParaRPr lang="en-IL"/>
           </a:p>
@@ -1842,7 +1843,7 @@
           <a:p>
             <a:fld id="{C9F7DFBD-92B2-44B7-952A-8C833C4590A2}" type="datetimeFigureOut">
               <a:rPr lang="en-IL" smtClean="0"/>
-              <a:t>05/01/2021</a:t>
+              <a:t>06/01/2021</a:t>
             </a:fld>
             <a:endParaRPr lang="en-IL"/>
           </a:p>
@@ -2118,7 +2119,7 @@
           <a:p>
             <a:fld id="{C9F7DFBD-92B2-44B7-952A-8C833C4590A2}" type="datetimeFigureOut">
               <a:rPr lang="en-IL" smtClean="0"/>
-              <a:t>05/01/2021</a:t>
+              <a:t>06/01/2021</a:t>
             </a:fld>
             <a:endParaRPr lang="en-IL"/>
           </a:p>
@@ -2386,7 +2387,7 @@
           <a:p>
             <a:fld id="{C9F7DFBD-92B2-44B7-952A-8C833C4590A2}" type="datetimeFigureOut">
               <a:rPr lang="en-IL" smtClean="0"/>
-              <a:t>05/01/2021</a:t>
+              <a:t>06/01/2021</a:t>
             </a:fld>
             <a:endParaRPr lang="en-IL"/>
           </a:p>
@@ -2801,7 +2802,7 @@
           <a:p>
             <a:fld id="{C9F7DFBD-92B2-44B7-952A-8C833C4590A2}" type="datetimeFigureOut">
               <a:rPr lang="en-IL" smtClean="0"/>
-              <a:t>05/01/2021</a:t>
+              <a:t>06/01/2021</a:t>
             </a:fld>
             <a:endParaRPr lang="en-IL"/>
           </a:p>
@@ -2943,7 +2944,7 @@
           <a:p>
             <a:fld id="{C9F7DFBD-92B2-44B7-952A-8C833C4590A2}" type="datetimeFigureOut">
               <a:rPr lang="en-IL" smtClean="0"/>
-              <a:t>05/01/2021</a:t>
+              <a:t>06/01/2021</a:t>
             </a:fld>
             <a:endParaRPr lang="en-IL"/>
           </a:p>
@@ -3056,7 +3057,7 @@
           <a:p>
             <a:fld id="{C9F7DFBD-92B2-44B7-952A-8C833C4590A2}" type="datetimeFigureOut">
               <a:rPr lang="en-IL" smtClean="0"/>
-              <a:t>05/01/2021</a:t>
+              <a:t>06/01/2021</a:t>
             </a:fld>
             <a:endParaRPr lang="en-IL"/>
           </a:p>
@@ -3369,7 +3370,7 @@
           <a:p>
             <a:fld id="{C9F7DFBD-92B2-44B7-952A-8C833C4590A2}" type="datetimeFigureOut">
               <a:rPr lang="en-IL" smtClean="0"/>
-              <a:t>05/01/2021</a:t>
+              <a:t>06/01/2021</a:t>
             </a:fld>
             <a:endParaRPr lang="en-IL"/>
           </a:p>
@@ -3658,7 +3659,7 @@
           <a:p>
             <a:fld id="{C9F7DFBD-92B2-44B7-952A-8C833C4590A2}" type="datetimeFigureOut">
               <a:rPr lang="en-IL" smtClean="0"/>
-              <a:t>05/01/2021</a:t>
+              <a:t>06/01/2021</a:t>
             </a:fld>
             <a:endParaRPr lang="en-IL"/>
           </a:p>
@@ -3901,7 +3902,7 @@
           <a:p>
             <a:fld id="{C9F7DFBD-92B2-44B7-952A-8C833C4590A2}" type="datetimeFigureOut">
               <a:rPr lang="en-IL" smtClean="0"/>
-              <a:t>05/01/2021</a:t>
+              <a:t>06/01/2021</a:t>
             </a:fld>
             <a:endParaRPr lang="en-IL"/>
           </a:p>
@@ -4981,7 +4982,7 @@
         </p:spPr>
         <p:txBody>
           <a:bodyPr>
-            <a:normAutofit fontScale="92500" lnSpcReduction="20000"/>
+            <a:normAutofit fontScale="92500" lnSpcReduction="10000"/>
           </a:bodyPr>
           <a:lstStyle/>
           <a:p>
@@ -5044,30 +5045,34 @@
           <a:p>
             <a:pPr lvl="1"/>
             <a:r>
+              <a:rPr lang="en-US" sz="1800" u="sng" dirty="0"/>
+              <a:t>Charge when needed</a:t>
+            </a:r>
+            <a:r>
               <a:rPr lang="en-US" sz="1800" dirty="0"/>
-              <a:t>Charge when needed: drone can not go to charging station before picking up at least X packages (X is parameters).</a:t>
+              <a:t>: drone can not go to charging station before picking up at least X packages (X is parameters).</a:t>
             </a:r>
           </a:p>
           <a:p>
             <a:pPr lvl="1"/>
             <a:r>
+              <a:rPr lang="en-US" sz="1800" u="sng" dirty="0"/>
+              <a:t>Must </a:t>
+            </a:r>
+            <a:r>
+              <a:rPr lang="en-US" sz="1800" i="1" u="sng" dirty="0"/>
+              <a:t>pick up</a:t>
+            </a:r>
+            <a:r>
               <a:rPr lang="en-US" sz="1800" dirty="0"/>
-              <a:t>Must </a:t>
-            </a:r>
-            <a:r>
-              <a:rPr lang="en-US" sz="1800" i="1" dirty="0"/>
-              <a:t>pick up</a:t>
-            </a:r>
+              <a:t>: drone can not leave a house location if it has a waiting request.</a:t>
+            </a:r>
+          </a:p>
+          <a:p>
+            <a:pPr lvl="2"/>
             <a:r>
               <a:rPr lang="en-US" sz="1800" dirty="0"/>
-              <a:t>: drone can not leave a location if it has a waiting request.</a:t>
-            </a:r>
-          </a:p>
-          <a:p>
-            <a:pPr lvl="2"/>
-            <a:r>
-              <a:rPr lang="en-US" sz="1800" dirty="0"/>
-              <a:t>This specification variant uses only basic features (</a:t>
+              <a:t>This specification variant includes only winds &amp; energy features (</a:t>
             </a:r>
             <a:r>
               <a:rPr lang="en-US" sz="1800" dirty="0" err="1"/>
@@ -5075,24 +5080,35 @@
             </a:r>
             <a:r>
               <a:rPr lang="en-US" sz="1800" dirty="0"/>
-              <a:t> no winds, priority nor energy).</a:t>
+              <a:t> no priority).</a:t>
             </a:r>
           </a:p>
           <a:p>
             <a:pPr lvl="1"/>
             <a:r>
+              <a:rPr lang="en-US" sz="1800" u="sng" dirty="0"/>
+              <a:t>No ‘must drop off</a:t>
+            </a:r>
+            <a:r>
               <a:rPr lang="en-US" sz="1800" dirty="0"/>
-              <a:t>No ‘must drop off’: canceling the drone requirement for a drop-off when eligible (at location, with a package to drop off)</a:t>
+              <a:t>’: canceling the drone requirement for a drop-off when eligible (at location, with a package to drop off)</a:t>
             </a:r>
           </a:p>
           <a:p>
             <a:pPr lvl="1"/>
+            <a:r>
+              <a:rPr lang="en-US" sz="1800" u="sng" dirty="0">
+                <a:latin typeface="Calibri" panose="020F0502020204030204" pitchFamily="34" charset="0"/>
+                <a:cs typeface="Calibri" panose="020F0502020204030204" pitchFamily="34" charset="0"/>
+              </a:rPr>
+              <a:t>Less moves</a:t>
+            </a:r>
             <a:r>
               <a:rPr lang="en-US" sz="1800" dirty="0">
                 <a:latin typeface="Calibri" panose="020F0502020204030204" pitchFamily="34" charset="0"/>
                 <a:cs typeface="Calibri" panose="020F0502020204030204" pitchFamily="34" charset="0"/>
               </a:rPr>
-              <a:t>Triggers: </a:t>
+              <a:t>: </a:t>
             </a:r>
           </a:p>
           <a:p>
@@ -5102,7 +5118,7 @@
                 <a:latin typeface="Calibri" panose="020F0502020204030204" pitchFamily="34" charset="0"/>
                 <a:cs typeface="Calibri" panose="020F0502020204030204" pitchFamily="34" charset="0"/>
               </a:rPr>
-              <a:t>add use of triggers to the specification  </a:t>
+              <a:t>Reducing drone steps:</a:t>
             </a:r>
           </a:p>
           <a:p>
@@ -5112,7 +5128,7 @@
                 <a:latin typeface="Calibri" panose="020F0502020204030204" pitchFamily="34" charset="0"/>
                 <a:cs typeface="Calibri" panose="020F0502020204030204" pitchFamily="34" charset="0"/>
               </a:rPr>
-              <a:t>If charging (and did not come from warehouse) - pass by the warehouse.</a:t>
+              <a:t>When drone has no more tasks (no requests nor drop-offs) - it returns to the warehouse after at most 2 other steps.</a:t>
             </a:r>
           </a:p>
           <a:p>
@@ -5122,65 +5138,37 @@
                 <a:latin typeface="Calibri" panose="020F0502020204030204" pitchFamily="34" charset="0"/>
                 <a:cs typeface="Calibri" panose="020F0502020204030204" pitchFamily="34" charset="0"/>
               </a:rPr>
-              <a:t>"House visit fairness" - If at a house, after 2 "safety" states (for pickup/drop-off) , do not visit the same house for at least 5 states</a:t>
-            </a:r>
-            <a:r>
-              <a:rPr lang="en-US" dirty="0">
-                <a:latin typeface="Calibri" panose="020F0502020204030204" pitchFamily="34" charset="0"/>
-                <a:cs typeface="Calibri" panose="020F0502020204030204" pitchFamily="34" charset="0"/>
-              </a:rPr>
-              <a:t>.</a:t>
-            </a:r>
-          </a:p>
-          <a:p>
-            <a:r>
-              <a:rPr lang="en-US" sz="2400" u="sng" dirty="0">
-                <a:latin typeface="Calibri" panose="020F0502020204030204" pitchFamily="34" charset="0"/>
-                <a:cs typeface="Calibri" panose="020F0502020204030204" pitchFamily="34" charset="0"/>
-              </a:rPr>
-              <a:t>Unrealizable</a:t>
-            </a:r>
-            <a:r>
-              <a:rPr lang="en-US" sz="2400" dirty="0">
-                <a:latin typeface="Calibri" panose="020F0502020204030204" pitchFamily="34" charset="0"/>
-                <a:cs typeface="Calibri" panose="020F0502020204030204" pitchFamily="34" charset="0"/>
-              </a:rPr>
-              <a:t>:</a:t>
-            </a:r>
-          </a:p>
-          <a:p>
-            <a:pPr lvl="1"/>
-            <a:r>
-              <a:rPr lang="en-US" sz="2000" dirty="0">
-                <a:latin typeface="Calibri" panose="020F0502020204030204" pitchFamily="34" charset="0"/>
-                <a:cs typeface="Calibri" panose="020F0502020204030204" pitchFamily="34" charset="0"/>
-              </a:rPr>
-              <a:t>Must pick up without considering cases which the drone cannot make a pick up</a:t>
-            </a:r>
-          </a:p>
-          <a:p>
-            <a:pPr lvl="2"/>
+              <a:t>Don't stagger in a house - when visiting a house, after 1 safety state for drop off,  it does not visit that house for at least 4 states.</a:t>
+            </a:r>
+          </a:p>
+          <a:p>
+            <a:pPr lvl="3"/>
             <a:r>
               <a:rPr lang="en-US" sz="1600" dirty="0">
                 <a:latin typeface="Calibri" panose="020F0502020204030204" pitchFamily="34" charset="0"/>
                 <a:cs typeface="Calibri" panose="020F0502020204030204" pitchFamily="34" charset="0"/>
               </a:rPr>
-              <a:t>Such as when priority mode is true and can not pick up any more requests from houses (</a:t>
-            </a:r>
-            <a:r>
-              <a:rPr lang="en-US" sz="1600" dirty="0" err="1">
-                <a:latin typeface="Calibri" panose="020F0502020204030204" pitchFamily="34" charset="0"/>
-                <a:cs typeface="Calibri" panose="020F0502020204030204" pitchFamily="34" charset="0"/>
-              </a:rPr>
-              <a:t>priorityCap</a:t>
-            </a:r>
-            <a:r>
-              <a:rPr lang="en-US" sz="1600" dirty="0">
-                <a:latin typeface="Calibri" panose="020F0502020204030204" pitchFamily="34" charset="0"/>
-                <a:cs typeface="Calibri" panose="020F0502020204030204" pitchFamily="34" charset="0"/>
-              </a:rPr>
-              <a:t> is maxed).</a:t>
-            </a:r>
+              <a:t>After every pickup Drone must drop off that package/envelope after at most 2 other steps.</a:t>
+            </a:r>
+          </a:p>
+          <a:p>
+            <a:pPr lvl="2"/>
+            <a:r>
+              <a:rPr lang="en-US" sz="1800" dirty="0"/>
+              <a:t>This specification variant includes only energy features (</a:t>
+            </a:r>
+            <a:r>
+              <a:rPr lang="en-US" sz="1800" dirty="0" err="1"/>
+              <a:t>i.e</a:t>
+            </a:r>
+            <a:r>
+              <a:rPr lang="en-US" sz="1800" dirty="0"/>
+              <a:t> no winds nor priority).</a:t>
+            </a:r>
+            <a:endParaRPr lang="en-US" sz="1800" dirty="0">
+              <a:latin typeface="Calibri" panose="020F0502020204030204" pitchFamily="34" charset="0"/>
+              <a:cs typeface="Calibri" panose="020F0502020204030204" pitchFamily="34" charset="0"/>
+            </a:endParaRPr>
           </a:p>
         </p:txBody>
       </p:sp>
@@ -5219,6 +5207,262 @@
           <p:cNvPr id="2" name="Title 1">
             <a:extLst>
               <a:ext uri="{FF2B5EF4-FFF2-40B4-BE49-F238E27FC236}">
+                <a16:creationId xmlns:a16="http://schemas.microsoft.com/office/drawing/2014/main" id="{E8E3566A-2332-43D7-A751-862362A1FDEE}"/>
+              </a:ext>
+            </a:extLst>
+          </p:cNvPr>
+          <p:cNvSpPr>
+            <a:spLocks noGrp="1"/>
+          </p:cNvSpPr>
+          <p:nvPr>
+            <p:ph type="title"/>
+          </p:nvPr>
+        </p:nvSpPr>
+        <p:spPr/>
+        <p:txBody>
+          <a:bodyPr/>
+          <a:lstStyle/>
+          <a:p>
+            <a:r>
+              <a:rPr lang="en-US" dirty="0"/>
+              <a:t>Spectra Variants</a:t>
+            </a:r>
+            <a:endParaRPr lang="en-IL" dirty="0"/>
+          </a:p>
+        </p:txBody>
+      </p:sp>
+      <p:sp>
+        <p:nvSpPr>
+          <p:cNvPr id="3" name="Content Placeholder 2">
+            <a:extLst>
+              <a:ext uri="{FF2B5EF4-FFF2-40B4-BE49-F238E27FC236}">
+                <a16:creationId xmlns:a16="http://schemas.microsoft.com/office/drawing/2014/main" id="{FF539478-916D-4325-836A-48AABF6E8C88}"/>
+              </a:ext>
+            </a:extLst>
+          </p:cNvPr>
+          <p:cNvSpPr>
+            <a:spLocks noGrp="1"/>
+          </p:cNvSpPr>
+          <p:nvPr>
+            <p:ph idx="1"/>
+          </p:nvPr>
+        </p:nvSpPr>
+        <p:spPr>
+          <a:xfrm>
+            <a:off x="577049" y="1429306"/>
+            <a:ext cx="10776751" cy="5184558"/>
+          </a:xfrm>
+        </p:spPr>
+        <p:txBody>
+          <a:bodyPr>
+            <a:normAutofit/>
+          </a:bodyPr>
+          <a:lstStyle/>
+          <a:p>
+            <a:r>
+              <a:rPr lang="en-US" sz="2400" u="sng" dirty="0">
+                <a:latin typeface="Calibri" panose="020F0502020204030204" pitchFamily="34" charset="0"/>
+                <a:cs typeface="Calibri" panose="020F0502020204030204" pitchFamily="34" charset="0"/>
+              </a:rPr>
+              <a:t>Unrealizable</a:t>
+            </a:r>
+            <a:r>
+              <a:rPr lang="en-US" sz="2400" dirty="0">
+                <a:latin typeface="Calibri" panose="020F0502020204030204" pitchFamily="34" charset="0"/>
+                <a:cs typeface="Calibri" panose="020F0502020204030204" pitchFamily="34" charset="0"/>
+              </a:rPr>
+              <a:t>:</a:t>
+            </a:r>
+          </a:p>
+          <a:p>
+            <a:pPr lvl="1"/>
+            <a:r>
+              <a:rPr lang="en-US" sz="2200" dirty="0">
+                <a:latin typeface="Calibri" panose="020F0502020204030204" pitchFamily="34" charset="0"/>
+                <a:cs typeface="Calibri" panose="020F0502020204030204" pitchFamily="34" charset="0"/>
+              </a:rPr>
+              <a:t>Must pick up –priority:</a:t>
+            </a:r>
+          </a:p>
+          <a:p>
+            <a:pPr lvl="2"/>
+            <a:r>
+              <a:rPr lang="en-US" sz="1800" dirty="0">
+                <a:latin typeface="Calibri" panose="020F0502020204030204" pitchFamily="34" charset="0"/>
+                <a:cs typeface="Calibri" panose="020F0502020204030204" pitchFamily="34" charset="0"/>
+              </a:rPr>
+              <a:t>Tries to enforce pickup without considering cases which the drone cannot make a pickup.</a:t>
+            </a:r>
+          </a:p>
+          <a:p>
+            <a:pPr lvl="2"/>
+            <a:r>
+              <a:rPr lang="en-US" sz="1800" dirty="0">
+                <a:latin typeface="Calibri" panose="020F0502020204030204" pitchFamily="34" charset="0"/>
+                <a:cs typeface="Calibri" panose="020F0502020204030204" pitchFamily="34" charset="0"/>
+              </a:rPr>
+              <a:t>Such as when priority mode is true and can not pick up any more requests from houses (</a:t>
+            </a:r>
+            <a:r>
+              <a:rPr lang="en-US" sz="1800" dirty="0" err="1">
+                <a:latin typeface="Calibri" panose="020F0502020204030204" pitchFamily="34" charset="0"/>
+                <a:cs typeface="Calibri" panose="020F0502020204030204" pitchFamily="34" charset="0"/>
+              </a:rPr>
+              <a:t>priorityCap</a:t>
+            </a:r>
+            <a:r>
+              <a:rPr lang="en-US" sz="1800" dirty="0">
+                <a:latin typeface="Calibri" panose="020F0502020204030204" pitchFamily="34" charset="0"/>
+                <a:cs typeface="Calibri" panose="020F0502020204030204" pitchFamily="34" charset="0"/>
+              </a:rPr>
+              <a:t> is maxed).</a:t>
+            </a:r>
+          </a:p>
+          <a:p>
+            <a:pPr lvl="1"/>
+            <a:r>
+              <a:rPr lang="en-US" sz="2200" dirty="0">
+                <a:latin typeface="Calibri" panose="020F0502020204030204" pitchFamily="34" charset="0"/>
+                <a:cs typeface="Calibri" panose="020F0502020204030204" pitchFamily="34" charset="0"/>
+              </a:rPr>
+              <a:t>Must pick up –drop off:</a:t>
+            </a:r>
+          </a:p>
+          <a:p>
+            <a:pPr lvl="2"/>
+            <a:r>
+              <a:rPr lang="en-US" sz="1800" dirty="0">
+                <a:latin typeface="Calibri" panose="020F0502020204030204" pitchFamily="34" charset="0"/>
+                <a:cs typeface="Calibri" panose="020F0502020204030204" pitchFamily="34" charset="0"/>
+              </a:rPr>
+              <a:t>Must drop off force the drone making a drop off the moment it can. </a:t>
+            </a:r>
+          </a:p>
+          <a:p>
+            <a:pPr lvl="2"/>
+            <a:r>
+              <a:rPr lang="en-US" sz="1800" dirty="0">
+                <a:latin typeface="Calibri" panose="020F0502020204030204" pitchFamily="34" charset="0"/>
+                <a:cs typeface="Calibri" panose="020F0502020204030204" pitchFamily="34" charset="0"/>
+              </a:rPr>
+              <a:t>System can only decide on a single </a:t>
+            </a:r>
+            <a:r>
+              <a:rPr lang="en-US" sz="1800" dirty="0" err="1">
+                <a:latin typeface="Calibri" panose="020F0502020204030204" pitchFamily="34" charset="0"/>
+                <a:cs typeface="Calibri" panose="020F0502020204030204" pitchFamily="34" charset="0"/>
+              </a:rPr>
+              <a:t>dropOffThisState</a:t>
+            </a:r>
+            <a:r>
+              <a:rPr lang="en-US" sz="1800" dirty="0">
+                <a:latin typeface="Calibri" panose="020F0502020204030204" pitchFamily="34" charset="0"/>
+                <a:cs typeface="Calibri" panose="020F0502020204030204" pitchFamily="34" charset="0"/>
+              </a:rPr>
+              <a:t> value.</a:t>
+            </a:r>
+          </a:p>
+          <a:p>
+            <a:pPr lvl="2"/>
+            <a:r>
+              <a:rPr lang="en-US" sz="1800" dirty="0">
+                <a:latin typeface="Calibri" panose="020F0502020204030204" pitchFamily="34" charset="0"/>
+                <a:cs typeface="Calibri" panose="020F0502020204030204" pitchFamily="34" charset="0"/>
+              </a:rPr>
+              <a:t>Regularly this is made realizable since the drone can decide to only carry either house packages OR house envelopes.</a:t>
+            </a:r>
+          </a:p>
+          <a:p>
+            <a:pPr lvl="2"/>
+            <a:r>
+              <a:rPr lang="en-US" sz="1800" dirty="0">
+                <a:latin typeface="Calibri" panose="020F0502020204030204" pitchFamily="34" charset="0"/>
+                <a:cs typeface="Calibri" panose="020F0502020204030204" pitchFamily="34" charset="0"/>
+              </a:rPr>
+              <a:t>Must-pick-up it picks up every request it runs into so it might carry both types – contradiction.</a:t>
+            </a:r>
+            <a:endParaRPr lang="he-IL" sz="1800" dirty="0">
+              <a:latin typeface="Calibri" panose="020F0502020204030204" pitchFamily="34" charset="0"/>
+              <a:cs typeface="Calibri" panose="020F0502020204030204" pitchFamily="34" charset="0"/>
+            </a:endParaRPr>
+          </a:p>
+          <a:p>
+            <a:pPr lvl="1"/>
+            <a:r>
+              <a:rPr lang="en-US" sz="2200" dirty="0">
+                <a:latin typeface="Calibri" panose="020F0502020204030204" pitchFamily="34" charset="0"/>
+                <a:cs typeface="Calibri" panose="020F0502020204030204" pitchFamily="34" charset="0"/>
+              </a:rPr>
+              <a:t>Must pick up –warehouse:</a:t>
+            </a:r>
+          </a:p>
+          <a:p>
+            <a:pPr lvl="2"/>
+            <a:r>
+              <a:rPr lang="en-US" sz="1800" dirty="0">
+                <a:latin typeface="Calibri" panose="020F0502020204030204" pitchFamily="34" charset="0"/>
+                <a:cs typeface="Calibri" panose="020F0502020204030204" pitchFamily="34" charset="0"/>
+              </a:rPr>
+              <a:t>Tries to enforce pickup of packages from warehouse.</a:t>
+            </a:r>
+          </a:p>
+          <a:p>
+            <a:pPr lvl="1"/>
+            <a:r>
+              <a:rPr lang="en-US" sz="2200" dirty="0">
+                <a:latin typeface="Calibri" panose="020F0502020204030204" pitchFamily="34" charset="0"/>
+                <a:cs typeface="Calibri" panose="020F0502020204030204" pitchFamily="34" charset="0"/>
+              </a:rPr>
+              <a:t>Less moves:</a:t>
+            </a:r>
+          </a:p>
+          <a:p>
+            <a:pPr lvl="2"/>
+            <a:r>
+              <a:rPr lang="en-US" sz="1800" dirty="0">
+                <a:latin typeface="Calibri" panose="020F0502020204030204" pitchFamily="34" charset="0"/>
+                <a:cs typeface="Calibri" panose="020F0502020204030204" pitchFamily="34" charset="0"/>
+              </a:rPr>
+              <a:t>Tries enforce the drone after drop off, if there is a request, pick it up in at most 3 steps. </a:t>
+            </a:r>
+          </a:p>
+        </p:txBody>
+      </p:sp>
+    </p:spTree>
+    <p:extLst>
+      <p:ext uri="{BB962C8B-B14F-4D97-AF65-F5344CB8AC3E}">
+        <p14:creationId xmlns:p14="http://schemas.microsoft.com/office/powerpoint/2010/main" val="1103504102"/>
+      </p:ext>
+    </p:extLst>
+  </p:cSld>
+  <p:clrMapOvr>
+    <a:masterClrMapping/>
+  </p:clrMapOvr>
+</p:sld>
+</file>
+
+<file path=ppt/slides/slide14.xml><?xml version="1.0" encoding="utf-8"?>
+<p:sld xmlns:a="http://schemas.openxmlformats.org/drawingml/2006/main" xmlns:r="http://schemas.openxmlformats.org/officeDocument/2006/relationships" xmlns:p="http://schemas.openxmlformats.org/presentationml/2006/main">
+  <p:cSld>
+    <p:spTree>
+      <p:nvGrpSpPr>
+        <p:cNvPr id="1" name=""/>
+        <p:cNvGrpSpPr/>
+        <p:nvPr/>
+      </p:nvGrpSpPr>
+      <p:grpSpPr>
+        <a:xfrm>
+          <a:off x="0" y="0"/>
+          <a:ext cx="0" cy="0"/>
+          <a:chOff x="0" y="0"/>
+          <a:chExt cx="0" cy="0"/>
+        </a:xfrm>
+      </p:grpSpPr>
+      <p:sp>
+        <p:nvSpPr>
+          <p:cNvPr id="2" name="Title 1">
+            <a:extLst>
+              <a:ext uri="{FF2B5EF4-FFF2-40B4-BE49-F238E27FC236}">
                 <a16:creationId xmlns:a16="http://schemas.microsoft.com/office/drawing/2014/main" id="{33796EE7-B1C3-4216-B604-EA3A74860EF3}"/>
               </a:ext>
             </a:extLst>
@@ -5416,7 +5660,7 @@
 </p:sld>
 </file>
 
-<file path=ppt/slides/slide14.xml><?xml version="1.0" encoding="utf-8"?>
+<file path=ppt/slides/slide15.xml><?xml version="1.0" encoding="utf-8"?>
 <p:sld xmlns:a="http://schemas.openxmlformats.org/drawingml/2006/main" xmlns:r="http://schemas.openxmlformats.org/officeDocument/2006/relationships" xmlns:p="http://schemas.openxmlformats.org/presentationml/2006/main">
   <p:cSld>
     <p:spTree>
@@ -5798,7 +6042,7 @@
 </p:sld>
 </file>
 
-<file path=ppt/slides/slide15.xml><?xml version="1.0" encoding="utf-8"?>
+<file path=ppt/slides/slide16.xml><?xml version="1.0" encoding="utf-8"?>
 <p:sld xmlns:a="http://schemas.openxmlformats.org/drawingml/2006/main" xmlns:r="http://schemas.openxmlformats.org/officeDocument/2006/relationships" xmlns:p="http://schemas.openxmlformats.org/presentationml/2006/main">
   <p:cSld>
     <p:spTree>
@@ -6054,7 +6298,7 @@
 </p:sld>
 </file>
 
-<file path=ppt/slides/slide16.xml><?xml version="1.0" encoding="utf-8"?>
+<file path=ppt/slides/slide17.xml><?xml version="1.0" encoding="utf-8"?>
 <p:sld xmlns:a="http://schemas.openxmlformats.org/drawingml/2006/main" xmlns:r="http://schemas.openxmlformats.org/officeDocument/2006/relationships" xmlns:p="http://schemas.openxmlformats.org/presentationml/2006/main">
   <p:cSld>
     <p:spTree>
@@ -6296,7 +6540,7 @@
 </p:sld>
 </file>
 
-<file path=ppt/slides/slide17.xml><?xml version="1.0" encoding="utf-8"?>
+<file path=ppt/slides/slide18.xml><?xml version="1.0" encoding="utf-8"?>
 <p:sld xmlns:a="http://schemas.openxmlformats.org/drawingml/2006/main" xmlns:r="http://schemas.openxmlformats.org/officeDocument/2006/relationships" xmlns:p="http://schemas.openxmlformats.org/presentationml/2006/main">
   <p:cSld>
     <p:spTree>
@@ -6433,7 +6677,7 @@
 </p:sld>
 </file>
 
-<file path=ppt/slides/slide18.xml><?xml version="1.0" encoding="utf-8"?>
+<file path=ppt/slides/slide19.xml><?xml version="1.0" encoding="utf-8"?>
 <p:sld xmlns:a="http://schemas.openxmlformats.org/drawingml/2006/main" xmlns:r="http://schemas.openxmlformats.org/officeDocument/2006/relationships" xmlns:p="http://schemas.openxmlformats.org/presentationml/2006/main">
   <p:cSld>
     <p:spTree>
@@ -7025,7 +7269,198 @@
 </p:sld>
 </file>
 
-<file path=ppt/slides/slide19.xml><?xml version="1.0" encoding="utf-8"?>
+<file path=ppt/slides/slide2.xml><?xml version="1.0" encoding="utf-8"?>
+<p:sld xmlns:a="http://schemas.openxmlformats.org/drawingml/2006/main" xmlns:r="http://schemas.openxmlformats.org/officeDocument/2006/relationships" xmlns:p="http://schemas.openxmlformats.org/presentationml/2006/main">
+  <p:cSld>
+    <p:spTree>
+      <p:nvGrpSpPr>
+        <p:cNvPr id="1" name=""/>
+        <p:cNvGrpSpPr/>
+        <p:nvPr/>
+      </p:nvGrpSpPr>
+      <p:grpSpPr>
+        <a:xfrm>
+          <a:off x="0" y="0"/>
+          <a:ext cx="0" cy="0"/>
+          <a:chOff x="0" y="0"/>
+          <a:chExt cx="0" cy="0"/>
+        </a:xfrm>
+      </p:grpSpPr>
+      <p:sp>
+        <p:nvSpPr>
+          <p:cNvPr id="2" name="Title 1">
+            <a:extLst>
+              <a:ext uri="{FF2B5EF4-FFF2-40B4-BE49-F238E27FC236}">
+                <a16:creationId xmlns:a16="http://schemas.microsoft.com/office/drawing/2014/main" id="{6970E706-AA1A-4A23-88DD-F7590C578834}"/>
+              </a:ext>
+            </a:extLst>
+          </p:cNvPr>
+          <p:cNvSpPr>
+            <a:spLocks noGrp="1"/>
+          </p:cNvSpPr>
+          <p:nvPr>
+            <p:ph type="title"/>
+          </p:nvPr>
+        </p:nvSpPr>
+        <p:spPr/>
+        <p:txBody>
+          <a:bodyPr/>
+          <a:lstStyle/>
+          <a:p>
+            <a:r>
+              <a:rPr lang="en-US" dirty="0"/>
+              <a:t>Spectra Requirements</a:t>
+            </a:r>
+            <a:endParaRPr lang="en-IL" dirty="0"/>
+          </a:p>
+        </p:txBody>
+      </p:sp>
+      <p:sp>
+        <p:nvSpPr>
+          <p:cNvPr id="3" name="Content Placeholder 2">
+            <a:extLst>
+              <a:ext uri="{FF2B5EF4-FFF2-40B4-BE49-F238E27FC236}">
+                <a16:creationId xmlns:a16="http://schemas.microsoft.com/office/drawing/2014/main" id="{92DB6DE1-A2A3-476F-B816-EC02F2CC199E}"/>
+              </a:ext>
+            </a:extLst>
+          </p:cNvPr>
+          <p:cNvSpPr>
+            <a:spLocks noGrp="1"/>
+          </p:cNvSpPr>
+          <p:nvPr>
+            <p:ph idx="1"/>
+          </p:nvPr>
+        </p:nvSpPr>
+        <p:spPr>
+          <a:xfrm>
+            <a:off x="838200" y="1690687"/>
+            <a:ext cx="10515600" cy="4518383"/>
+          </a:xfrm>
+        </p:spPr>
+        <p:txBody>
+          <a:bodyPr>
+            <a:normAutofit lnSpcReduction="10000"/>
+          </a:bodyPr>
+          <a:lstStyle/>
+          <a:p>
+            <a:pPr marL="0" indent="0">
+              <a:buNone/>
+            </a:pPr>
+            <a:r>
+              <a:rPr lang="en-US" sz="2400" b="0" i="0" u="none" strike="noStrike" baseline="0" dirty="0">
+                <a:solidFill>
+                  <a:srgbClr val="000000"/>
+                </a:solidFill>
+                <a:latin typeface="Calibri" panose="020F0502020204030204" pitchFamily="34" charset="0"/>
+              </a:rPr>
+              <a:t>Full functioning Delivery Drone based on variables, guarantees and assumptions which are declared and synthesized using Spectra language.</a:t>
+            </a:r>
+          </a:p>
+          <a:p>
+            <a:pPr lvl="1"/>
+            <a:r>
+              <a:rPr lang="en-US" dirty="0"/>
+              <a:t>Maintain a request &amp; delivery drone system between houses and warehouse </a:t>
+            </a:r>
+          </a:p>
+          <a:p>
+            <a:pPr lvl="1"/>
+            <a:r>
+              <a:rPr lang="en-US" dirty="0"/>
+              <a:t>Every request must be picked up eventually </a:t>
+            </a:r>
+          </a:p>
+          <a:p>
+            <a:pPr lvl="1"/>
+            <a:r>
+              <a:rPr lang="en-US" dirty="0"/>
+              <a:t>Every request picked up, must be delivered to its destination eventually</a:t>
+            </a:r>
+          </a:p>
+          <a:p>
+            <a:pPr lvl="1"/>
+            <a:r>
+              <a:rPr lang="en-US" dirty="0"/>
+              <a:t>Each location holds only one request before pickup  – the last one sent</a:t>
+            </a:r>
+          </a:p>
+          <a:p>
+            <a:pPr lvl="1"/>
+            <a:r>
+              <a:rPr lang="en-US" dirty="0"/>
+              <a:t>Default Drone inventory includes room for 5 envelopes and 2 packages</a:t>
+            </a:r>
+          </a:p>
+          <a:p>
+            <a:pPr lvl="1"/>
+            <a:r>
+              <a:rPr lang="en-US" dirty="0"/>
+              <a:t>Drone must drop off package/envelope when it can</a:t>
+            </a:r>
+          </a:p>
+          <a:p>
+            <a:pPr lvl="1"/>
+            <a:r>
+              <a:rPr lang="en-US" dirty="0"/>
+              <a:t>Drone must stay put if there is no request to pickup/ drop off</a:t>
+            </a:r>
+          </a:p>
+          <a:p>
+            <a:pPr lvl="1"/>
+            <a:r>
+              <a:rPr lang="en-US" dirty="0"/>
+              <a:t>Changing movement policy with regards to </a:t>
+            </a:r>
+            <a:r>
+              <a:rPr lang="en-US" i="1" dirty="0"/>
+              <a:t>winds</a:t>
+            </a:r>
+            <a:endParaRPr lang="en-US" dirty="0"/>
+          </a:p>
+          <a:p>
+            <a:pPr lvl="1"/>
+            <a:r>
+              <a:rPr lang="en-US" dirty="0"/>
+              <a:t>Changing pickup policy with regards </a:t>
+            </a:r>
+            <a:r>
+              <a:rPr lang="en-US" i="1" dirty="0"/>
+              <a:t>priority packages</a:t>
+            </a:r>
+            <a:r>
+              <a:rPr lang="en-US" dirty="0"/>
+              <a:t> from the warehouse</a:t>
+            </a:r>
+          </a:p>
+          <a:p>
+            <a:pPr lvl="1"/>
+            <a:r>
+              <a:rPr lang="en-US" dirty="0"/>
+              <a:t>Managing pickups with a limited battery</a:t>
+            </a:r>
+          </a:p>
+          <a:p>
+            <a:endParaRPr lang="en-US" sz="2400" dirty="0"/>
+          </a:p>
+          <a:p>
+            <a:endParaRPr lang="en-US" sz="2400" dirty="0"/>
+          </a:p>
+        </p:txBody>
+      </p:sp>
+    </p:spTree>
+    <p:extLst>
+      <p:ext uri="{BB962C8B-B14F-4D97-AF65-F5344CB8AC3E}">
+        <p14:creationId xmlns:p14="http://schemas.microsoft.com/office/powerpoint/2010/main" val="3532418789"/>
+      </p:ext>
+    </p:extLst>
+  </p:cSld>
+  <p:clrMapOvr>
+    <a:masterClrMapping/>
+  </p:clrMapOvr>
+</p:sld>
+</file>
+
+<file path=ppt/slides/slide20.xml><?xml version="1.0" encoding="utf-8"?>
 <p:sld xmlns:a="http://schemas.openxmlformats.org/drawingml/2006/main" xmlns:r="http://schemas.openxmlformats.org/officeDocument/2006/relationships" xmlns:p="http://schemas.openxmlformats.org/presentationml/2006/main">
   <p:cSld>
     <p:spTree>
@@ -7440,197 +7875,6 @@
 </p:sld>
 </file>
 
-<file path=ppt/slides/slide2.xml><?xml version="1.0" encoding="utf-8"?>
-<p:sld xmlns:a="http://schemas.openxmlformats.org/drawingml/2006/main" xmlns:r="http://schemas.openxmlformats.org/officeDocument/2006/relationships" xmlns:p="http://schemas.openxmlformats.org/presentationml/2006/main">
-  <p:cSld>
-    <p:spTree>
-      <p:nvGrpSpPr>
-        <p:cNvPr id="1" name=""/>
-        <p:cNvGrpSpPr/>
-        <p:nvPr/>
-      </p:nvGrpSpPr>
-      <p:grpSpPr>
-        <a:xfrm>
-          <a:off x="0" y="0"/>
-          <a:ext cx="0" cy="0"/>
-          <a:chOff x="0" y="0"/>
-          <a:chExt cx="0" cy="0"/>
-        </a:xfrm>
-      </p:grpSpPr>
-      <p:sp>
-        <p:nvSpPr>
-          <p:cNvPr id="2" name="Title 1">
-            <a:extLst>
-              <a:ext uri="{FF2B5EF4-FFF2-40B4-BE49-F238E27FC236}">
-                <a16:creationId xmlns:a16="http://schemas.microsoft.com/office/drawing/2014/main" id="{6970E706-AA1A-4A23-88DD-F7590C578834}"/>
-              </a:ext>
-            </a:extLst>
-          </p:cNvPr>
-          <p:cNvSpPr>
-            <a:spLocks noGrp="1"/>
-          </p:cNvSpPr>
-          <p:nvPr>
-            <p:ph type="title"/>
-          </p:nvPr>
-        </p:nvSpPr>
-        <p:spPr/>
-        <p:txBody>
-          <a:bodyPr/>
-          <a:lstStyle/>
-          <a:p>
-            <a:r>
-              <a:rPr lang="en-US" dirty="0"/>
-              <a:t>Spectra Requirements</a:t>
-            </a:r>
-            <a:endParaRPr lang="en-IL" dirty="0"/>
-          </a:p>
-        </p:txBody>
-      </p:sp>
-      <p:sp>
-        <p:nvSpPr>
-          <p:cNvPr id="3" name="Content Placeholder 2">
-            <a:extLst>
-              <a:ext uri="{FF2B5EF4-FFF2-40B4-BE49-F238E27FC236}">
-                <a16:creationId xmlns:a16="http://schemas.microsoft.com/office/drawing/2014/main" id="{92DB6DE1-A2A3-476F-B816-EC02F2CC199E}"/>
-              </a:ext>
-            </a:extLst>
-          </p:cNvPr>
-          <p:cNvSpPr>
-            <a:spLocks noGrp="1"/>
-          </p:cNvSpPr>
-          <p:nvPr>
-            <p:ph idx="1"/>
-          </p:nvPr>
-        </p:nvSpPr>
-        <p:spPr>
-          <a:xfrm>
-            <a:off x="838200" y="1690687"/>
-            <a:ext cx="10515600" cy="4518383"/>
-          </a:xfrm>
-        </p:spPr>
-        <p:txBody>
-          <a:bodyPr>
-            <a:normAutofit lnSpcReduction="10000"/>
-          </a:bodyPr>
-          <a:lstStyle/>
-          <a:p>
-            <a:pPr marL="0" indent="0">
-              <a:buNone/>
-            </a:pPr>
-            <a:r>
-              <a:rPr lang="en-US" sz="2400" b="0" i="0" u="none" strike="noStrike" baseline="0" dirty="0">
-                <a:solidFill>
-                  <a:srgbClr val="000000"/>
-                </a:solidFill>
-                <a:latin typeface="Calibri" panose="020F0502020204030204" pitchFamily="34" charset="0"/>
-              </a:rPr>
-              <a:t>Full functioning Delivery Drone based on variables, guarantees and assumptions which are declared and synthesized using Spectra language.</a:t>
-            </a:r>
-          </a:p>
-          <a:p>
-            <a:pPr lvl="1"/>
-            <a:r>
-              <a:rPr lang="en-US" dirty="0"/>
-              <a:t>Maintain a request &amp; delivery drone system between houses and warehouse </a:t>
-            </a:r>
-          </a:p>
-          <a:p>
-            <a:pPr lvl="1"/>
-            <a:r>
-              <a:rPr lang="en-US" dirty="0"/>
-              <a:t>Every request must be picked up eventually </a:t>
-            </a:r>
-          </a:p>
-          <a:p>
-            <a:pPr lvl="1"/>
-            <a:r>
-              <a:rPr lang="en-US" dirty="0"/>
-              <a:t>Every request picked up, must be delivered to its destination eventually</a:t>
-            </a:r>
-          </a:p>
-          <a:p>
-            <a:pPr lvl="1"/>
-            <a:r>
-              <a:rPr lang="en-US" dirty="0"/>
-              <a:t>Each location holds only one request before pickup  – the last one sent</a:t>
-            </a:r>
-          </a:p>
-          <a:p>
-            <a:pPr lvl="1"/>
-            <a:r>
-              <a:rPr lang="en-US" dirty="0"/>
-              <a:t>Default Drone inventory includes room for 5 envelopes and 2 packages</a:t>
-            </a:r>
-          </a:p>
-          <a:p>
-            <a:pPr lvl="1"/>
-            <a:r>
-              <a:rPr lang="en-US" dirty="0"/>
-              <a:t>Drone must drop off package/envelope when it can</a:t>
-            </a:r>
-          </a:p>
-          <a:p>
-            <a:pPr lvl="1"/>
-            <a:r>
-              <a:rPr lang="en-US" dirty="0"/>
-              <a:t>Drone must stay put if there is no request to pickup/ drop off</a:t>
-            </a:r>
-          </a:p>
-          <a:p>
-            <a:pPr lvl="1"/>
-            <a:r>
-              <a:rPr lang="en-US" dirty="0"/>
-              <a:t>Changing movement policy with regards to </a:t>
-            </a:r>
-            <a:r>
-              <a:rPr lang="en-US" i="1" dirty="0"/>
-              <a:t>winds</a:t>
-            </a:r>
-            <a:endParaRPr lang="en-US" dirty="0"/>
-          </a:p>
-          <a:p>
-            <a:pPr lvl="1"/>
-            <a:r>
-              <a:rPr lang="en-US" dirty="0"/>
-              <a:t>Changing pickup policy with regards </a:t>
-            </a:r>
-            <a:r>
-              <a:rPr lang="en-US" i="1" dirty="0"/>
-              <a:t>priority packages</a:t>
-            </a:r>
-            <a:r>
-              <a:rPr lang="en-US" dirty="0"/>
-              <a:t> from the warehouse</a:t>
-            </a:r>
-          </a:p>
-          <a:p>
-            <a:pPr lvl="1"/>
-            <a:r>
-              <a:rPr lang="en-US" dirty="0"/>
-              <a:t>Managing pickups with a limited battery</a:t>
-            </a:r>
-          </a:p>
-          <a:p>
-            <a:endParaRPr lang="en-US" sz="2400" dirty="0"/>
-          </a:p>
-          <a:p>
-            <a:endParaRPr lang="en-US" sz="2400" dirty="0"/>
-          </a:p>
-        </p:txBody>
-      </p:sp>
-    </p:spTree>
-    <p:extLst>
-      <p:ext uri="{BB962C8B-B14F-4D97-AF65-F5344CB8AC3E}">
-        <p14:creationId xmlns:p14="http://schemas.microsoft.com/office/powerpoint/2010/main" val="3532418789"/>
-      </p:ext>
-    </p:extLst>
-  </p:cSld>
-  <p:clrMapOvr>
-    <a:masterClrMapping/>
-  </p:clrMapOvr>
-</p:sld>
-</file>
-
 <file path=ppt/slides/slide3.xml><?xml version="1.0" encoding="utf-8"?>
 <p:sld xmlns:a="http://schemas.openxmlformats.org/drawingml/2006/main" xmlns:r="http://schemas.openxmlformats.org/officeDocument/2006/relationships" xmlns:p="http://schemas.openxmlformats.org/presentationml/2006/main">
   <p:cSld>

--- a/docs/final presentation.pptx
+++ b/docs/final presentation.pptx
@@ -1233,7 +1233,7 @@
           <a:p>
             <a:fld id="{C9F7DFBD-92B2-44B7-952A-8C833C4590A2}" type="datetimeFigureOut">
               <a:rPr lang="en-IL" smtClean="0"/>
-              <a:t>06/01/2021</a:t>
+              <a:t>07/01/2021</a:t>
             </a:fld>
             <a:endParaRPr lang="en-IL"/>
           </a:p>
@@ -1433,7 +1433,7 @@
           <a:p>
             <a:fld id="{C9F7DFBD-92B2-44B7-952A-8C833C4590A2}" type="datetimeFigureOut">
               <a:rPr lang="en-IL" smtClean="0"/>
-              <a:t>06/01/2021</a:t>
+              <a:t>07/01/2021</a:t>
             </a:fld>
             <a:endParaRPr lang="en-IL"/>
           </a:p>
@@ -1643,7 +1643,7 @@
           <a:p>
             <a:fld id="{C9F7DFBD-92B2-44B7-952A-8C833C4590A2}" type="datetimeFigureOut">
               <a:rPr lang="en-IL" smtClean="0"/>
-              <a:t>06/01/2021</a:t>
+              <a:t>07/01/2021</a:t>
             </a:fld>
             <a:endParaRPr lang="en-IL"/>
           </a:p>
@@ -1843,7 +1843,7 @@
           <a:p>
             <a:fld id="{C9F7DFBD-92B2-44B7-952A-8C833C4590A2}" type="datetimeFigureOut">
               <a:rPr lang="en-IL" smtClean="0"/>
-              <a:t>06/01/2021</a:t>
+              <a:t>07/01/2021</a:t>
             </a:fld>
             <a:endParaRPr lang="en-IL"/>
           </a:p>
@@ -2119,7 +2119,7 @@
           <a:p>
             <a:fld id="{C9F7DFBD-92B2-44B7-952A-8C833C4590A2}" type="datetimeFigureOut">
               <a:rPr lang="en-IL" smtClean="0"/>
-              <a:t>06/01/2021</a:t>
+              <a:t>07/01/2021</a:t>
             </a:fld>
             <a:endParaRPr lang="en-IL"/>
           </a:p>
@@ -2387,7 +2387,7 @@
           <a:p>
             <a:fld id="{C9F7DFBD-92B2-44B7-952A-8C833C4590A2}" type="datetimeFigureOut">
               <a:rPr lang="en-IL" smtClean="0"/>
-              <a:t>06/01/2021</a:t>
+              <a:t>07/01/2021</a:t>
             </a:fld>
             <a:endParaRPr lang="en-IL"/>
           </a:p>
@@ -2802,7 +2802,7 @@
           <a:p>
             <a:fld id="{C9F7DFBD-92B2-44B7-952A-8C833C4590A2}" type="datetimeFigureOut">
               <a:rPr lang="en-IL" smtClean="0"/>
-              <a:t>06/01/2021</a:t>
+              <a:t>07/01/2021</a:t>
             </a:fld>
             <a:endParaRPr lang="en-IL"/>
           </a:p>
@@ -2944,7 +2944,7 @@
           <a:p>
             <a:fld id="{C9F7DFBD-92B2-44B7-952A-8C833C4590A2}" type="datetimeFigureOut">
               <a:rPr lang="en-IL" smtClean="0"/>
-              <a:t>06/01/2021</a:t>
+              <a:t>07/01/2021</a:t>
             </a:fld>
             <a:endParaRPr lang="en-IL"/>
           </a:p>
@@ -3057,7 +3057,7 @@
           <a:p>
             <a:fld id="{C9F7DFBD-92B2-44B7-952A-8C833C4590A2}" type="datetimeFigureOut">
               <a:rPr lang="en-IL" smtClean="0"/>
-              <a:t>06/01/2021</a:t>
+              <a:t>07/01/2021</a:t>
             </a:fld>
             <a:endParaRPr lang="en-IL"/>
           </a:p>
@@ -3370,7 +3370,7 @@
           <a:p>
             <a:fld id="{C9F7DFBD-92B2-44B7-952A-8C833C4590A2}" type="datetimeFigureOut">
               <a:rPr lang="en-IL" smtClean="0"/>
-              <a:t>06/01/2021</a:t>
+              <a:t>07/01/2021</a:t>
             </a:fld>
             <a:endParaRPr lang="en-IL"/>
           </a:p>
@@ -3659,7 +3659,7 @@
           <a:p>
             <a:fld id="{C9F7DFBD-92B2-44B7-952A-8C833C4590A2}" type="datetimeFigureOut">
               <a:rPr lang="en-IL" smtClean="0"/>
-              <a:t>06/01/2021</a:t>
+              <a:t>07/01/2021</a:t>
             </a:fld>
             <a:endParaRPr lang="en-IL"/>
           </a:p>
@@ -3902,7 +3902,7 @@
           <a:p>
             <a:fld id="{C9F7DFBD-92B2-44B7-952A-8C833C4590A2}" type="datetimeFigureOut">
               <a:rPr lang="en-IL" smtClean="0"/>
-              <a:t>06/01/2021</a:t>
+              <a:t>07/01/2021</a:t>
             </a:fld>
             <a:endParaRPr lang="en-IL"/>
           </a:p>
@@ -5619,10 +5619,10 @@
       </p:sp>
       <p:pic>
         <p:nvPicPr>
-          <p:cNvPr id="9" name="Picture 8">
-            <a:extLst>
-              <a:ext uri="{FF2B5EF4-FFF2-40B4-BE49-F238E27FC236}">
-                <a16:creationId xmlns:a16="http://schemas.microsoft.com/office/drawing/2014/main" id="{797DB933-1EF9-49AD-B33C-836DDAADBFAB}"/>
+          <p:cNvPr id="5" name="Picture 4">
+            <a:extLst>
+              <a:ext uri="{FF2B5EF4-FFF2-40B4-BE49-F238E27FC236}">
+                <a16:creationId xmlns:a16="http://schemas.microsoft.com/office/drawing/2014/main" id="{E626AC3A-E6C6-422A-A36A-51AF81F0D3EB}"/>
               </a:ext>
             </a:extLst>
           </p:cNvPr>
@@ -5639,8 +5639,8 @@
         </p:blipFill>
         <p:spPr>
           <a:xfrm>
-            <a:off x="5370991" y="1324748"/>
-            <a:ext cx="6728438" cy="5050382"/>
+            <a:off x="5181600" y="1323093"/>
+            <a:ext cx="6815092" cy="5258559"/>
           </a:xfrm>
           <a:prstGeom prst="rect">
             <a:avLst/>
@@ -5783,36 +5783,6 @@
           </a:p>
         </p:txBody>
       </p:sp>
-      <p:pic>
-        <p:nvPicPr>
-          <p:cNvPr id="5" name="Picture 4">
-            <a:extLst>
-              <a:ext uri="{FF2B5EF4-FFF2-40B4-BE49-F238E27FC236}">
-                <a16:creationId xmlns:a16="http://schemas.microsoft.com/office/drawing/2014/main" id="{FE2E1BC4-42E2-4603-B12B-D095808EC22C}"/>
-              </a:ext>
-            </a:extLst>
-          </p:cNvPr>
-          <p:cNvPicPr>
-            <a:picLocks noChangeAspect="1"/>
-          </p:cNvPicPr>
-          <p:nvPr/>
-        </p:nvPicPr>
-        <p:blipFill>
-          <a:blip r:embed="rId2"/>
-          <a:stretch>
-            <a:fillRect/>
-          </a:stretch>
-        </p:blipFill>
-        <p:spPr>
-          <a:xfrm>
-            <a:off x="4648200" y="1825625"/>
-            <a:ext cx="7543800" cy="2379889"/>
-          </a:xfrm>
-          <a:prstGeom prst="rect">
-            <a:avLst/>
-          </a:prstGeom>
-        </p:spPr>
-      </p:pic>
       <p:sp>
         <p:nvSpPr>
           <p:cNvPr id="6" name="Content Placeholder 2">
@@ -6029,6 +5999,36 @@
           </a:p>
         </p:txBody>
       </p:sp>
+      <p:pic>
+        <p:nvPicPr>
+          <p:cNvPr id="7" name="Picture 6">
+            <a:extLst>
+              <a:ext uri="{FF2B5EF4-FFF2-40B4-BE49-F238E27FC236}">
+                <a16:creationId xmlns:a16="http://schemas.microsoft.com/office/drawing/2014/main" id="{07DF5C02-4456-46A0-924E-A09457C0C247}"/>
+              </a:ext>
+            </a:extLst>
+          </p:cNvPr>
+          <p:cNvPicPr>
+            <a:picLocks noChangeAspect="1"/>
+          </p:cNvPicPr>
+          <p:nvPr/>
+        </p:nvPicPr>
+        <p:blipFill>
+          <a:blip r:embed="rId2"/>
+          <a:stretch>
+            <a:fillRect/>
+          </a:stretch>
+        </p:blipFill>
+        <p:spPr>
+          <a:xfrm>
+            <a:off x="4477535" y="1825626"/>
+            <a:ext cx="7440065" cy="2376090"/>
+          </a:xfrm>
+          <a:prstGeom prst="rect">
+            <a:avLst/>
+          </a:prstGeom>
+        </p:spPr>
+      </p:pic>
     </p:spTree>
     <p:extLst>
       <p:ext uri="{BB962C8B-B14F-4D97-AF65-F5344CB8AC3E}">
@@ -6739,7 +6739,7 @@
             <p:ph idx="1"/>
             <p:extLst>
               <p:ext uri="{D42A27DB-BD31-4B8C-83A1-F6EECF244321}">
-                <p14:modId xmlns:p14="http://schemas.microsoft.com/office/powerpoint/2010/main" val="3009809922"/>
+                <p14:modId xmlns:p14="http://schemas.microsoft.com/office/powerpoint/2010/main" val="1902505545"/>
               </p:ext>
             </p:extLst>
           </p:nvPr>
@@ -7214,18 +7214,7 @@
                           <a:ea typeface="+mn-ea"/>
                           <a:cs typeface="+mn-cs"/>
                         </a:rPr>
-                        <a:t>Pickup only: all houses request package delivery, with a 4-package refill after a pickup. Partial use of Winds </a:t>
-                      </a:r>
-                      <a:r>
-                        <a:rPr lang="en-US" sz="2000" u="none" kern="1200" dirty="0">
-                          <a:solidFill>
-                            <a:schemeClr val="dk1"/>
-                          </a:solidFill>
-                          <a:latin typeface="+mn-lt"/>
-                          <a:ea typeface="+mn-ea"/>
-                          <a:cs typeface="+mn-cs"/>
-                        </a:rPr>
-                        <a:t>Mode</a:t>
+                        <a:t>Pickup only: all houses request package delivery, with a 4-package refill after a pickup. Partial use of Winds</a:t>
                       </a:r>
                       <a:endParaRPr lang="en-IL" sz="2000" u="none" dirty="0"/>
                     </a:p>

--- a/docs/final presentation.pptx
+++ b/docs/final presentation.pptx
@@ -1233,7 +1233,7 @@
           <a:p>
             <a:fld id="{C9F7DFBD-92B2-44B7-952A-8C833C4590A2}" type="datetimeFigureOut">
               <a:rPr lang="en-IL" smtClean="0"/>
-              <a:t>07/01/2021</a:t>
+              <a:t>11/01/2021</a:t>
             </a:fld>
             <a:endParaRPr lang="en-IL"/>
           </a:p>
@@ -1433,7 +1433,7 @@
           <a:p>
             <a:fld id="{C9F7DFBD-92B2-44B7-952A-8C833C4590A2}" type="datetimeFigureOut">
               <a:rPr lang="en-IL" smtClean="0"/>
-              <a:t>07/01/2021</a:t>
+              <a:t>11/01/2021</a:t>
             </a:fld>
             <a:endParaRPr lang="en-IL"/>
           </a:p>
@@ -1643,7 +1643,7 @@
           <a:p>
             <a:fld id="{C9F7DFBD-92B2-44B7-952A-8C833C4590A2}" type="datetimeFigureOut">
               <a:rPr lang="en-IL" smtClean="0"/>
-              <a:t>07/01/2021</a:t>
+              <a:t>11/01/2021</a:t>
             </a:fld>
             <a:endParaRPr lang="en-IL"/>
           </a:p>
@@ -1843,7 +1843,7 @@
           <a:p>
             <a:fld id="{C9F7DFBD-92B2-44B7-952A-8C833C4590A2}" type="datetimeFigureOut">
               <a:rPr lang="en-IL" smtClean="0"/>
-              <a:t>07/01/2021</a:t>
+              <a:t>11/01/2021</a:t>
             </a:fld>
             <a:endParaRPr lang="en-IL"/>
           </a:p>
@@ -2119,7 +2119,7 @@
           <a:p>
             <a:fld id="{C9F7DFBD-92B2-44B7-952A-8C833C4590A2}" type="datetimeFigureOut">
               <a:rPr lang="en-IL" smtClean="0"/>
-              <a:t>07/01/2021</a:t>
+              <a:t>11/01/2021</a:t>
             </a:fld>
             <a:endParaRPr lang="en-IL"/>
           </a:p>
@@ -2387,7 +2387,7 @@
           <a:p>
             <a:fld id="{C9F7DFBD-92B2-44B7-952A-8C833C4590A2}" type="datetimeFigureOut">
               <a:rPr lang="en-IL" smtClean="0"/>
-              <a:t>07/01/2021</a:t>
+              <a:t>11/01/2021</a:t>
             </a:fld>
             <a:endParaRPr lang="en-IL"/>
           </a:p>
@@ -2802,7 +2802,7 @@
           <a:p>
             <a:fld id="{C9F7DFBD-92B2-44B7-952A-8C833C4590A2}" type="datetimeFigureOut">
               <a:rPr lang="en-IL" smtClean="0"/>
-              <a:t>07/01/2021</a:t>
+              <a:t>11/01/2021</a:t>
             </a:fld>
             <a:endParaRPr lang="en-IL"/>
           </a:p>
@@ -2944,7 +2944,7 @@
           <a:p>
             <a:fld id="{C9F7DFBD-92B2-44B7-952A-8C833C4590A2}" type="datetimeFigureOut">
               <a:rPr lang="en-IL" smtClean="0"/>
-              <a:t>07/01/2021</a:t>
+              <a:t>11/01/2021</a:t>
             </a:fld>
             <a:endParaRPr lang="en-IL"/>
           </a:p>
@@ -3057,7 +3057,7 @@
           <a:p>
             <a:fld id="{C9F7DFBD-92B2-44B7-952A-8C833C4590A2}" type="datetimeFigureOut">
               <a:rPr lang="en-IL" smtClean="0"/>
-              <a:t>07/01/2021</a:t>
+              <a:t>11/01/2021</a:t>
             </a:fld>
             <a:endParaRPr lang="en-IL"/>
           </a:p>
@@ -3370,7 +3370,7 @@
           <a:p>
             <a:fld id="{C9F7DFBD-92B2-44B7-952A-8C833C4590A2}" type="datetimeFigureOut">
               <a:rPr lang="en-IL" smtClean="0"/>
-              <a:t>07/01/2021</a:t>
+              <a:t>11/01/2021</a:t>
             </a:fld>
             <a:endParaRPr lang="en-IL"/>
           </a:p>
@@ -3659,7 +3659,7 @@
           <a:p>
             <a:fld id="{C9F7DFBD-92B2-44B7-952A-8C833C4590A2}" type="datetimeFigureOut">
               <a:rPr lang="en-IL" smtClean="0"/>
-              <a:t>07/01/2021</a:t>
+              <a:t>11/01/2021</a:t>
             </a:fld>
             <a:endParaRPr lang="en-IL"/>
           </a:p>
@@ -3902,7 +3902,7 @@
           <a:p>
             <a:fld id="{C9F7DFBD-92B2-44B7-952A-8C833C4590A2}" type="datetimeFigureOut">
               <a:rPr lang="en-IL" smtClean="0"/>
-              <a:t>07/01/2021</a:t>
+              <a:t>11/01/2021</a:t>
             </a:fld>
             <a:endParaRPr lang="en-IL"/>
           </a:p>
@@ -5007,15 +5007,15 @@
             </a:r>
             <a:r>
               <a:rPr lang="en-US" sz="1800" dirty="0"/>
-              <a:t> features that can be “turned off” at the </a:t>
-            </a:r>
-            <a:r>
-              <a:rPr lang="en-US" sz="1800" dirty="0" err="1"/>
-              <a:t>specidication</a:t>
+              <a:t> features that can be “turned off” at </a:t>
+            </a:r>
+            <a:r>
+              <a:rPr lang="en-US" sz="1800"/>
+              <a:t>the specification </a:t>
             </a:r>
             <a:r>
               <a:rPr lang="en-US" sz="1800" dirty="0"/>
-              <a:t> files.  </a:t>
+              <a:t>files.  </a:t>
             </a:r>
           </a:p>
           <a:p>
@@ -5249,25 +5249,25 @@
         </p:nvSpPr>
         <p:spPr>
           <a:xfrm>
-            <a:off x="577049" y="1429306"/>
-            <a:ext cx="10776751" cy="5184558"/>
+            <a:off x="577049" y="1429305"/>
+            <a:ext cx="10776751" cy="5326601"/>
           </a:xfrm>
         </p:spPr>
         <p:txBody>
           <a:bodyPr>
-            <a:normAutofit/>
+            <a:normAutofit fontScale="92500" lnSpcReduction="10000"/>
           </a:bodyPr>
           <a:lstStyle/>
           <a:p>
             <a:r>
-              <a:rPr lang="en-US" sz="2400" u="sng" dirty="0">
+              <a:rPr lang="en-US" u="sng" dirty="0">
                 <a:latin typeface="Calibri" panose="020F0502020204030204" pitchFamily="34" charset="0"/>
                 <a:cs typeface="Calibri" panose="020F0502020204030204" pitchFamily="34" charset="0"/>
               </a:rPr>
               <a:t>Unrealizable</a:t>
             </a:r>
             <a:r>
-              <a:rPr lang="en-US" sz="2400" dirty="0">
+              <a:rPr lang="en-US" dirty="0">
                 <a:latin typeface="Calibri" panose="020F0502020204030204" pitchFamily="34" charset="0"/>
                 <a:cs typeface="Calibri" panose="020F0502020204030204" pitchFamily="34" charset="0"/>
               </a:rPr>
@@ -5277,7 +5277,7 @@
           <a:p>
             <a:pPr lvl="1"/>
             <a:r>
-              <a:rPr lang="en-US" sz="2200" dirty="0">
+              <a:rPr lang="en-US" dirty="0">
                 <a:latin typeface="Calibri" panose="020F0502020204030204" pitchFamily="34" charset="0"/>
                 <a:cs typeface="Calibri" panose="020F0502020204030204" pitchFamily="34" charset="0"/>
               </a:rPr>
@@ -5287,7 +5287,7 @@
           <a:p>
             <a:pPr lvl="2"/>
             <a:r>
-              <a:rPr lang="en-US" sz="1800" dirty="0">
+              <a:rPr lang="en-US" dirty="0">
                 <a:latin typeface="Calibri" panose="020F0502020204030204" pitchFamily="34" charset="0"/>
                 <a:cs typeface="Calibri" panose="020F0502020204030204" pitchFamily="34" charset="0"/>
               </a:rPr>
@@ -5297,21 +5297,21 @@
           <a:p>
             <a:pPr lvl="2"/>
             <a:r>
-              <a:rPr lang="en-US" sz="1800" dirty="0">
+              <a:rPr lang="en-US" dirty="0">
                 <a:latin typeface="Calibri" panose="020F0502020204030204" pitchFamily="34" charset="0"/>
                 <a:cs typeface="Calibri" panose="020F0502020204030204" pitchFamily="34" charset="0"/>
               </a:rPr>
               <a:t>Such as when priority mode is true and can not pick up any more requests from houses (</a:t>
             </a:r>
             <a:r>
-              <a:rPr lang="en-US" sz="1800" dirty="0" err="1">
+              <a:rPr lang="en-US" dirty="0" err="1">
                 <a:latin typeface="Calibri" panose="020F0502020204030204" pitchFamily="34" charset="0"/>
                 <a:cs typeface="Calibri" panose="020F0502020204030204" pitchFamily="34" charset="0"/>
               </a:rPr>
               <a:t>priorityCap</a:t>
             </a:r>
             <a:r>
-              <a:rPr lang="en-US" sz="1800" dirty="0">
+              <a:rPr lang="en-US" dirty="0">
                 <a:latin typeface="Calibri" panose="020F0502020204030204" pitchFamily="34" charset="0"/>
                 <a:cs typeface="Calibri" panose="020F0502020204030204" pitchFamily="34" charset="0"/>
               </a:rPr>
@@ -5321,7 +5321,7 @@
           <a:p>
             <a:pPr lvl="1"/>
             <a:r>
-              <a:rPr lang="en-US" sz="2200" dirty="0">
+              <a:rPr lang="en-US" dirty="0">
                 <a:latin typeface="Calibri" panose="020F0502020204030204" pitchFamily="34" charset="0"/>
                 <a:cs typeface="Calibri" panose="020F0502020204030204" pitchFamily="34" charset="0"/>
               </a:rPr>
@@ -5331,7 +5331,7 @@
           <a:p>
             <a:pPr lvl="2"/>
             <a:r>
-              <a:rPr lang="en-US" sz="1800" dirty="0">
+              <a:rPr lang="en-US" dirty="0">
                 <a:latin typeface="Calibri" panose="020F0502020204030204" pitchFamily="34" charset="0"/>
                 <a:cs typeface="Calibri" panose="020F0502020204030204" pitchFamily="34" charset="0"/>
               </a:rPr>
@@ -5341,21 +5341,21 @@
           <a:p>
             <a:pPr lvl="2"/>
             <a:r>
-              <a:rPr lang="en-US" sz="1800" dirty="0">
+              <a:rPr lang="en-US" dirty="0">
                 <a:latin typeface="Calibri" panose="020F0502020204030204" pitchFamily="34" charset="0"/>
                 <a:cs typeface="Calibri" panose="020F0502020204030204" pitchFamily="34" charset="0"/>
               </a:rPr>
               <a:t>System can only decide on a single </a:t>
             </a:r>
             <a:r>
-              <a:rPr lang="en-US" sz="1800" dirty="0" err="1">
+              <a:rPr lang="en-US" dirty="0" err="1">
                 <a:latin typeface="Calibri" panose="020F0502020204030204" pitchFamily="34" charset="0"/>
                 <a:cs typeface="Calibri" panose="020F0502020204030204" pitchFamily="34" charset="0"/>
               </a:rPr>
               <a:t>dropOffThisState</a:t>
             </a:r>
             <a:r>
-              <a:rPr lang="en-US" sz="1800" dirty="0">
+              <a:rPr lang="en-US" dirty="0">
                 <a:latin typeface="Calibri" panose="020F0502020204030204" pitchFamily="34" charset="0"/>
                 <a:cs typeface="Calibri" panose="020F0502020204030204" pitchFamily="34" charset="0"/>
               </a:rPr>
@@ -5365,7 +5365,7 @@
           <a:p>
             <a:pPr lvl="2"/>
             <a:r>
-              <a:rPr lang="en-US" sz="1800" dirty="0">
+              <a:rPr lang="en-US" dirty="0">
                 <a:latin typeface="Calibri" panose="020F0502020204030204" pitchFamily="34" charset="0"/>
                 <a:cs typeface="Calibri" panose="020F0502020204030204" pitchFamily="34" charset="0"/>
               </a:rPr>
@@ -5375,13 +5375,13 @@
           <a:p>
             <a:pPr lvl="2"/>
             <a:r>
-              <a:rPr lang="en-US" sz="1800" dirty="0">
+              <a:rPr lang="en-US" dirty="0">
                 <a:latin typeface="Calibri" panose="020F0502020204030204" pitchFamily="34" charset="0"/>
                 <a:cs typeface="Calibri" panose="020F0502020204030204" pitchFamily="34" charset="0"/>
               </a:rPr>
               <a:t>Must-pick-up it picks up every request it runs into so it might carry both types – contradiction.</a:t>
             </a:r>
-            <a:endParaRPr lang="he-IL" sz="1800" dirty="0">
+            <a:endParaRPr lang="he-IL" dirty="0">
               <a:latin typeface="Calibri" panose="020F0502020204030204" pitchFamily="34" charset="0"/>
               <a:cs typeface="Calibri" panose="020F0502020204030204" pitchFamily="34" charset="0"/>
             </a:endParaRPr>
@@ -5389,7 +5389,7 @@
           <a:p>
             <a:pPr lvl="1"/>
             <a:r>
-              <a:rPr lang="en-US" sz="2200" dirty="0">
+              <a:rPr lang="en-US" dirty="0">
                 <a:latin typeface="Calibri" panose="020F0502020204030204" pitchFamily="34" charset="0"/>
                 <a:cs typeface="Calibri" panose="020F0502020204030204" pitchFamily="34" charset="0"/>
               </a:rPr>
@@ -5399,7 +5399,7 @@
           <a:p>
             <a:pPr lvl="2"/>
             <a:r>
-              <a:rPr lang="en-US" sz="1800" dirty="0">
+              <a:rPr lang="en-US" dirty="0">
                 <a:latin typeface="Calibri" panose="020F0502020204030204" pitchFamily="34" charset="0"/>
                 <a:cs typeface="Calibri" panose="020F0502020204030204" pitchFamily="34" charset="0"/>
               </a:rPr>
@@ -5409,7 +5409,7 @@
           <a:p>
             <a:pPr lvl="1"/>
             <a:r>
-              <a:rPr lang="en-US" sz="2200" dirty="0">
+              <a:rPr lang="en-US" dirty="0">
                 <a:latin typeface="Calibri" panose="020F0502020204030204" pitchFamily="34" charset="0"/>
                 <a:cs typeface="Calibri" panose="020F0502020204030204" pitchFamily="34" charset="0"/>
               </a:rPr>
@@ -5419,11 +5419,21 @@
           <a:p>
             <a:pPr lvl="2"/>
             <a:r>
-              <a:rPr lang="en-US" sz="1800" dirty="0">
+              <a:rPr lang="en-US" dirty="0">
                 <a:latin typeface="Calibri" panose="020F0502020204030204" pitchFamily="34" charset="0"/>
                 <a:cs typeface="Calibri" panose="020F0502020204030204" pitchFamily="34" charset="0"/>
               </a:rPr>
-              <a:t>Tries enforce the drone after drop off, if there is a request, pick it up in at most 3 steps. </a:t>
+              <a:t>Tries to enforce the drone that after a drop off, if there is a request, pick it up in at most 3 steps. </a:t>
+            </a:r>
+          </a:p>
+          <a:p>
+            <a:pPr lvl="2"/>
+            <a:r>
+              <a:rPr lang="en-US" dirty="0">
+                <a:latin typeface="Calibri" panose="020F0502020204030204" pitchFamily="34" charset="0"/>
+                <a:cs typeface="Calibri" panose="020F0502020204030204" pitchFamily="34" charset="0"/>
+              </a:rPr>
+              <a:t>There exists a situation where the drone cannot make a pick-up after just 3 steps, for example when its battery is empty and he must pass by the charging station.</a:t>
             </a:r>
           </a:p>
         </p:txBody>
